--- a/docs/Cubemx/STM32F103C8T6 Mbed.pptx
+++ b/docs/Cubemx/STM32F103C8T6 Mbed.pptx
@@ -7,6 +7,9 @@
   <p:sldIdLst>
     <p:sldId id="256" r:id="rId2"/>
     <p:sldId id="257" r:id="rId3"/>
+    <p:sldId id="258" r:id="rId4"/>
+    <p:sldId id="259" r:id="rId5"/>
+    <p:sldId id="260" r:id="rId6"/>
   </p:sldIdLst>
   <p:sldSz cx="9144000" cy="6858000" type="screen4x3"/>
   <p:notesSz cx="6858000" cy="9144000"/>
@@ -289,7 +292,8 @@
           <a:p>
             <a:fld id="{7E132479-A98E-4E73-826A-728A9A151AED}" type="datetimeFigureOut">
               <a:rPr lang="es-ES" smtClean="0"/>
-              <a:t>05/05/2015</a:t>
+              <a:pPr/>
+              <a:t>07/05/2015</a:t>
             </a:fld>
             <a:endParaRPr lang="es-ES"/>
           </a:p>
@@ -331,6 +335,7 @@
           <a:p>
             <a:fld id="{1A395034-63BB-4166-B96D-B0D785198255}" type="slidenum">
               <a:rPr lang="es-ES" smtClean="0"/>
+              <a:pPr/>
               <a:t>‹Nº›</a:t>
             </a:fld>
             <a:endParaRPr lang="es-ES"/>
@@ -454,7 +459,8 @@
           <a:p>
             <a:fld id="{7E132479-A98E-4E73-826A-728A9A151AED}" type="datetimeFigureOut">
               <a:rPr lang="es-ES" smtClean="0"/>
-              <a:t>05/05/2015</a:t>
+              <a:pPr/>
+              <a:t>07/05/2015</a:t>
             </a:fld>
             <a:endParaRPr lang="es-ES"/>
           </a:p>
@@ -496,6 +502,7 @@
           <a:p>
             <a:fld id="{1A395034-63BB-4166-B96D-B0D785198255}" type="slidenum">
               <a:rPr lang="es-ES" smtClean="0"/>
+              <a:pPr/>
               <a:t>‹Nº›</a:t>
             </a:fld>
             <a:endParaRPr lang="es-ES"/>
@@ -629,7 +636,8 @@
           <a:p>
             <a:fld id="{7E132479-A98E-4E73-826A-728A9A151AED}" type="datetimeFigureOut">
               <a:rPr lang="es-ES" smtClean="0"/>
-              <a:t>05/05/2015</a:t>
+              <a:pPr/>
+              <a:t>07/05/2015</a:t>
             </a:fld>
             <a:endParaRPr lang="es-ES"/>
           </a:p>
@@ -671,6 +679,7 @@
           <a:p>
             <a:fld id="{1A395034-63BB-4166-B96D-B0D785198255}" type="slidenum">
               <a:rPr lang="es-ES" smtClean="0"/>
+              <a:pPr/>
               <a:t>‹Nº›</a:t>
             </a:fld>
             <a:endParaRPr lang="es-ES"/>
@@ -794,7 +803,8 @@
           <a:p>
             <a:fld id="{7E132479-A98E-4E73-826A-728A9A151AED}" type="datetimeFigureOut">
               <a:rPr lang="es-ES" smtClean="0"/>
-              <a:t>05/05/2015</a:t>
+              <a:pPr/>
+              <a:t>07/05/2015</a:t>
             </a:fld>
             <a:endParaRPr lang="es-ES"/>
           </a:p>
@@ -836,6 +846,7 @@
           <a:p>
             <a:fld id="{1A395034-63BB-4166-B96D-B0D785198255}" type="slidenum">
               <a:rPr lang="es-ES" smtClean="0"/>
+              <a:pPr/>
               <a:t>‹Nº›</a:t>
             </a:fld>
             <a:endParaRPr lang="es-ES"/>
@@ -1035,7 +1046,8 @@
           <a:p>
             <a:fld id="{7E132479-A98E-4E73-826A-728A9A151AED}" type="datetimeFigureOut">
               <a:rPr lang="es-ES" smtClean="0"/>
-              <a:t>05/05/2015</a:t>
+              <a:pPr/>
+              <a:t>07/05/2015</a:t>
             </a:fld>
             <a:endParaRPr lang="es-ES"/>
           </a:p>
@@ -1077,6 +1089,7 @@
           <a:p>
             <a:fld id="{1A395034-63BB-4166-B96D-B0D785198255}" type="slidenum">
               <a:rPr lang="es-ES" smtClean="0"/>
+              <a:pPr/>
               <a:t>‹Nº›</a:t>
             </a:fld>
             <a:endParaRPr lang="es-ES"/>
@@ -1318,7 +1331,8 @@
           <a:p>
             <a:fld id="{7E132479-A98E-4E73-826A-728A9A151AED}" type="datetimeFigureOut">
               <a:rPr lang="es-ES" smtClean="0"/>
-              <a:t>05/05/2015</a:t>
+              <a:pPr/>
+              <a:t>07/05/2015</a:t>
             </a:fld>
             <a:endParaRPr lang="es-ES"/>
           </a:p>
@@ -1360,6 +1374,7 @@
           <a:p>
             <a:fld id="{1A395034-63BB-4166-B96D-B0D785198255}" type="slidenum">
               <a:rPr lang="es-ES" smtClean="0"/>
+              <a:pPr/>
               <a:t>‹Nº›</a:t>
             </a:fld>
             <a:endParaRPr lang="es-ES"/>
@@ -1735,7 +1750,8 @@
           <a:p>
             <a:fld id="{7E132479-A98E-4E73-826A-728A9A151AED}" type="datetimeFigureOut">
               <a:rPr lang="es-ES" smtClean="0"/>
-              <a:t>05/05/2015</a:t>
+              <a:pPr/>
+              <a:t>07/05/2015</a:t>
             </a:fld>
             <a:endParaRPr lang="es-ES"/>
           </a:p>
@@ -1777,6 +1793,7 @@
           <a:p>
             <a:fld id="{1A395034-63BB-4166-B96D-B0D785198255}" type="slidenum">
               <a:rPr lang="es-ES" smtClean="0"/>
+              <a:pPr/>
               <a:t>‹Nº›</a:t>
             </a:fld>
             <a:endParaRPr lang="es-ES"/>
@@ -1848,7 +1865,8 @@
           <a:p>
             <a:fld id="{7E132479-A98E-4E73-826A-728A9A151AED}" type="datetimeFigureOut">
               <a:rPr lang="es-ES" smtClean="0"/>
-              <a:t>05/05/2015</a:t>
+              <a:pPr/>
+              <a:t>07/05/2015</a:t>
             </a:fld>
             <a:endParaRPr lang="es-ES"/>
           </a:p>
@@ -1890,6 +1908,7 @@
           <a:p>
             <a:fld id="{1A395034-63BB-4166-B96D-B0D785198255}" type="slidenum">
               <a:rPr lang="es-ES" smtClean="0"/>
+              <a:pPr/>
               <a:t>‹Nº›</a:t>
             </a:fld>
             <a:endParaRPr lang="es-ES"/>
@@ -1938,7 +1957,8 @@
           <a:p>
             <a:fld id="{7E132479-A98E-4E73-826A-728A9A151AED}" type="datetimeFigureOut">
               <a:rPr lang="es-ES" smtClean="0"/>
-              <a:t>05/05/2015</a:t>
+              <a:pPr/>
+              <a:t>07/05/2015</a:t>
             </a:fld>
             <a:endParaRPr lang="es-ES"/>
           </a:p>
@@ -1980,6 +2000,7 @@
           <a:p>
             <a:fld id="{1A395034-63BB-4166-B96D-B0D785198255}" type="slidenum">
               <a:rPr lang="es-ES" smtClean="0"/>
+              <a:pPr/>
               <a:t>‹Nº›</a:t>
             </a:fld>
             <a:endParaRPr lang="es-ES"/>
@@ -2210,7 +2231,8 @@
           <a:p>
             <a:fld id="{7E132479-A98E-4E73-826A-728A9A151AED}" type="datetimeFigureOut">
               <a:rPr lang="es-ES" smtClean="0"/>
-              <a:t>05/05/2015</a:t>
+              <a:pPr/>
+              <a:t>07/05/2015</a:t>
             </a:fld>
             <a:endParaRPr lang="es-ES"/>
           </a:p>
@@ -2252,6 +2274,7 @@
           <a:p>
             <a:fld id="{1A395034-63BB-4166-B96D-B0D785198255}" type="slidenum">
               <a:rPr lang="es-ES" smtClean="0"/>
+              <a:pPr/>
               <a:t>‹Nº›</a:t>
             </a:fld>
             <a:endParaRPr lang="es-ES"/>
@@ -2458,7 +2481,8 @@
           <a:p>
             <a:fld id="{7E132479-A98E-4E73-826A-728A9A151AED}" type="datetimeFigureOut">
               <a:rPr lang="es-ES" smtClean="0"/>
-              <a:t>05/05/2015</a:t>
+              <a:pPr/>
+              <a:t>07/05/2015</a:t>
             </a:fld>
             <a:endParaRPr lang="es-ES"/>
           </a:p>
@@ -2500,6 +2524,7 @@
           <a:p>
             <a:fld id="{1A395034-63BB-4166-B96D-B0D785198255}" type="slidenum">
               <a:rPr lang="es-ES" smtClean="0"/>
+              <a:pPr/>
               <a:t>‹Nº›</a:t>
             </a:fld>
             <a:endParaRPr lang="es-ES"/>
@@ -2666,7 +2691,8 @@
           <a:p>
             <a:fld id="{7E132479-A98E-4E73-826A-728A9A151AED}" type="datetimeFigureOut">
               <a:rPr lang="es-ES" smtClean="0"/>
-              <a:t>05/05/2015</a:t>
+              <a:pPr/>
+              <a:t>07/05/2015</a:t>
             </a:fld>
             <a:endParaRPr lang="es-ES"/>
           </a:p>
@@ -2744,6 +2770,7 @@
           <a:p>
             <a:fld id="{1A395034-63BB-4166-B96D-B0D785198255}" type="slidenum">
               <a:rPr lang="es-ES" smtClean="0"/>
+              <a:pPr/>
               <a:t>‹Nº›</a:t>
             </a:fld>
             <a:endParaRPr lang="es-ES"/>
@@ -3436,15 +3463,7 @@
                     <a:schemeClr val="tx1"/>
                   </a:solidFill>
                 </a:rPr>
-                <a:t>GPS</a:t>
-              </a:r>
-              <a:r>
-                <a:rPr lang="es-ES" sz="800" dirty="0" smtClean="0">
-                  <a:solidFill>
-                    <a:schemeClr val="tx1"/>
-                  </a:solidFill>
-                </a:rPr>
-                <a:t>_TX</a:t>
+                <a:t>GPS_TX</a:t>
               </a:r>
               <a:endParaRPr lang="es-ES" dirty="0">
                 <a:solidFill>
@@ -5546,18 +5565,11 @@
               <a:avLst/>
             </a:prstGeom>
             <a:solidFill>
-              <a:schemeClr val="bg1">
-                <a:lumMod val="85000"/>
+              <a:srgbClr val="0070C0">
                 <a:alpha val="80000"/>
-              </a:schemeClr>
+              </a:srgbClr>
             </a:solidFill>
-            <a:ln w="3175">
-              <a:solidFill>
-                <a:schemeClr val="bg1">
-                  <a:lumMod val="95000"/>
-                </a:schemeClr>
-              </a:solidFill>
-            </a:ln>
+            <a:ln w="3175"/>
           </p:spPr>
           <p:style>
             <a:lnRef idx="2">
@@ -5581,15 +5593,26 @@
             <a:p>
               <a:pPr algn="ctr"/>
               <a:r>
-                <a:rPr lang="es-ES" dirty="0">
+                <a:rPr lang="es-ES" sz="1400" dirty="0" smtClean="0">
                   <a:solidFill>
-                    <a:schemeClr val="bg2">
-                      <a:lumMod val="75000"/>
-                    </a:schemeClr>
+                    <a:schemeClr val="tx1"/>
                   </a:solidFill>
                 </a:rPr>
-                <a:t>PB_4</a:t>
+                <a:t>PB_4 </a:t>
               </a:r>
+              <a:r>
+                <a:rPr lang="es-ES" sz="700" dirty="0" smtClean="0">
+                  <a:solidFill>
+                    <a:schemeClr val="tx1"/>
+                  </a:solidFill>
+                </a:rPr>
+                <a:t>EN_ESP</a:t>
+              </a:r>
+              <a:endParaRPr lang="es-ES" sz="1400" dirty="0">
+                <a:solidFill>
+                  <a:schemeClr val="tx1"/>
+                </a:solidFill>
+              </a:endParaRPr>
             </a:p>
           </p:txBody>
         </p:sp>
@@ -7296,15 +7319,7 @@
                     <a:schemeClr val="tx1"/>
                   </a:solidFill>
                 </a:rPr>
-                <a:t>GPS</a:t>
-              </a:r>
-              <a:r>
-                <a:rPr lang="es-ES" sz="800" dirty="0" smtClean="0">
-                  <a:solidFill>
-                    <a:schemeClr val="tx1"/>
-                  </a:solidFill>
-                </a:rPr>
-                <a:t>_TX</a:t>
+                <a:t>GPS_TX</a:t>
               </a:r>
               <a:endParaRPr lang="es-ES" dirty="0">
                 <a:solidFill>
@@ -9406,18 +9421,11 @@
               <a:avLst/>
             </a:prstGeom>
             <a:solidFill>
-              <a:schemeClr val="bg1">
-                <a:lumMod val="85000"/>
+              <a:srgbClr val="0070C0">
                 <a:alpha val="80000"/>
-              </a:schemeClr>
+              </a:srgbClr>
             </a:solidFill>
-            <a:ln w="3175">
-              <a:solidFill>
-                <a:schemeClr val="bg1">
-                  <a:lumMod val="95000"/>
-                </a:schemeClr>
-              </a:solidFill>
-            </a:ln>
+            <a:ln w="3175"/>
           </p:spPr>
           <p:style>
             <a:lnRef idx="2">
@@ -9441,15 +9449,26 @@
             <a:p>
               <a:pPr algn="ctr"/>
               <a:r>
-                <a:rPr lang="es-ES" dirty="0">
+                <a:rPr lang="es-ES" sz="1400" dirty="0" smtClean="0">
                   <a:solidFill>
-                    <a:schemeClr val="bg2">
-                      <a:lumMod val="75000"/>
-                    </a:schemeClr>
+                    <a:schemeClr val="tx1"/>
                   </a:solidFill>
                 </a:rPr>
                 <a:t>PB_4</a:t>
               </a:r>
+              <a:r>
+                <a:rPr lang="es-ES" sz="700" dirty="0" smtClean="0">
+                  <a:solidFill>
+                    <a:schemeClr val="tx1"/>
+                  </a:solidFill>
+                </a:rPr>
+                <a:t>  EN_ESP</a:t>
+              </a:r>
+              <a:endParaRPr lang="es-ES" sz="1600" dirty="0">
+                <a:solidFill>
+                  <a:schemeClr val="tx1"/>
+                </a:solidFill>
+              </a:endParaRPr>
             </a:p>
           </p:txBody>
         </p:sp>
@@ -10728,6 +10747,5202 @@
                 </a:schemeClr>
               </a:solidFill>
             </a:endParaRPr>
+          </a:p>
+        </p:txBody>
+      </p:sp>
+    </p:spTree>
+  </p:cSld>
+  <p:clrMapOvr>
+    <a:masterClrMapping/>
+  </p:clrMapOvr>
+</p:sld>
+</file>
+
+<file path=ppt/slides/slide3.xml><?xml version="1.0" encoding="utf-8"?>
+<p:sld xmlns:a="http://schemas.openxmlformats.org/drawingml/2006/main" xmlns:r="http://schemas.openxmlformats.org/officeDocument/2006/relationships" xmlns:p="http://schemas.openxmlformats.org/presentationml/2006/main">
+  <p:cSld>
+    <p:spTree>
+      <p:nvGrpSpPr>
+        <p:cNvPr id="1" name=""/>
+        <p:cNvGrpSpPr/>
+        <p:nvPr/>
+      </p:nvGrpSpPr>
+      <p:grpSpPr>
+        <a:xfrm>
+          <a:off x="0" y="0"/>
+          <a:ext cx="0" cy="0"/>
+          <a:chOff x="0" y="0"/>
+          <a:chExt cx="0" cy="0"/>
+        </a:xfrm>
+      </p:grpSpPr>
+      <p:sp>
+        <p:nvSpPr>
+          <p:cNvPr id="2" name="1 Título"/>
+          <p:cNvSpPr>
+            <a:spLocks noGrp="1"/>
+          </p:cNvSpPr>
+          <p:nvPr>
+            <p:ph type="title"/>
+          </p:nvPr>
+        </p:nvSpPr>
+        <p:spPr/>
+        <p:txBody>
+          <a:bodyPr/>
+          <a:lstStyle/>
+          <a:p>
+            <a:r>
+              <a:rPr lang="es-ES" dirty="0" smtClean="0"/>
+              <a:t>Programador ESP8266</a:t>
+            </a:r>
+            <a:endParaRPr lang="es-ES" dirty="0"/>
+          </a:p>
+        </p:txBody>
+      </p:sp>
+      <p:sp>
+        <p:nvSpPr>
+          <p:cNvPr id="4" name="3 Rectángulo"/>
+          <p:cNvSpPr/>
+          <p:nvPr/>
+        </p:nvSpPr>
+        <p:spPr>
+          <a:xfrm>
+            <a:off x="179512" y="1700808"/>
+            <a:ext cx="6048672" cy="4176464"/>
+          </a:xfrm>
+          <a:prstGeom prst="rect">
+            <a:avLst/>
+          </a:prstGeom>
+          <a:noFill/>
+        </p:spPr>
+        <p:style>
+          <a:lnRef idx="2">
+            <a:schemeClr val="accent1">
+              <a:shade val="50000"/>
+            </a:schemeClr>
+          </a:lnRef>
+          <a:fillRef idx="1">
+            <a:schemeClr val="accent1"/>
+          </a:fillRef>
+          <a:effectRef idx="0">
+            <a:schemeClr val="accent1"/>
+          </a:effectRef>
+          <a:fontRef idx="minor">
+            <a:schemeClr val="lt1"/>
+          </a:fontRef>
+        </p:style>
+        <p:txBody>
+          <a:bodyPr rtlCol="0" anchor="ctr"/>
+          <a:lstStyle/>
+          <a:p>
+            <a:pPr algn="ctr"/>
+            <a:endParaRPr lang="es-ES"/>
+          </a:p>
+        </p:txBody>
+      </p:sp>
+      <p:sp>
+        <p:nvSpPr>
+          <p:cNvPr id="5" name="4 Elipse"/>
+          <p:cNvSpPr/>
+          <p:nvPr/>
+        </p:nvSpPr>
+        <p:spPr>
+          <a:xfrm>
+            <a:off x="395536" y="2780928"/>
+            <a:ext cx="216024" cy="216024"/>
+          </a:xfrm>
+          <a:prstGeom prst="ellipse">
+            <a:avLst/>
+          </a:prstGeom>
+        </p:spPr>
+        <p:style>
+          <a:lnRef idx="2">
+            <a:schemeClr val="accent1">
+              <a:shade val="50000"/>
+            </a:schemeClr>
+          </a:lnRef>
+          <a:fillRef idx="1">
+            <a:schemeClr val="accent1"/>
+          </a:fillRef>
+          <a:effectRef idx="0">
+            <a:schemeClr val="accent1"/>
+          </a:effectRef>
+          <a:fontRef idx="minor">
+            <a:schemeClr val="lt1"/>
+          </a:fontRef>
+        </p:style>
+        <p:txBody>
+          <a:bodyPr rtlCol="0" anchor="ctr"/>
+          <a:lstStyle/>
+          <a:p>
+            <a:pPr algn="ctr"/>
+            <a:endParaRPr lang="es-ES"/>
+          </a:p>
+        </p:txBody>
+      </p:sp>
+      <p:sp>
+        <p:nvSpPr>
+          <p:cNvPr id="6" name="5 Elipse"/>
+          <p:cNvSpPr/>
+          <p:nvPr/>
+        </p:nvSpPr>
+        <p:spPr>
+          <a:xfrm>
+            <a:off x="395536" y="3140968"/>
+            <a:ext cx="216024" cy="216024"/>
+          </a:xfrm>
+          <a:prstGeom prst="ellipse">
+            <a:avLst/>
+          </a:prstGeom>
+        </p:spPr>
+        <p:style>
+          <a:lnRef idx="2">
+            <a:schemeClr val="accent1">
+              <a:shade val="50000"/>
+            </a:schemeClr>
+          </a:lnRef>
+          <a:fillRef idx="1">
+            <a:schemeClr val="accent1"/>
+          </a:fillRef>
+          <a:effectRef idx="0">
+            <a:schemeClr val="accent1"/>
+          </a:effectRef>
+          <a:fontRef idx="minor">
+            <a:schemeClr val="lt1"/>
+          </a:fontRef>
+        </p:style>
+        <p:txBody>
+          <a:bodyPr rtlCol="0" anchor="ctr"/>
+          <a:lstStyle/>
+          <a:p>
+            <a:pPr algn="ctr"/>
+            <a:endParaRPr lang="es-ES"/>
+          </a:p>
+        </p:txBody>
+      </p:sp>
+      <p:sp>
+        <p:nvSpPr>
+          <p:cNvPr id="7" name="6 Elipse"/>
+          <p:cNvSpPr/>
+          <p:nvPr/>
+        </p:nvSpPr>
+        <p:spPr>
+          <a:xfrm>
+            <a:off x="395536" y="3501008"/>
+            <a:ext cx="216024" cy="216024"/>
+          </a:xfrm>
+          <a:prstGeom prst="ellipse">
+            <a:avLst/>
+          </a:prstGeom>
+          <a:solidFill>
+            <a:srgbClr val="FFFF00"/>
+          </a:solidFill>
+        </p:spPr>
+        <p:style>
+          <a:lnRef idx="2">
+            <a:schemeClr val="accent1">
+              <a:shade val="50000"/>
+            </a:schemeClr>
+          </a:lnRef>
+          <a:fillRef idx="1">
+            <a:schemeClr val="accent1"/>
+          </a:fillRef>
+          <a:effectRef idx="0">
+            <a:schemeClr val="accent1"/>
+          </a:effectRef>
+          <a:fontRef idx="minor">
+            <a:schemeClr val="lt1"/>
+          </a:fontRef>
+        </p:style>
+        <p:txBody>
+          <a:bodyPr rtlCol="0" anchor="ctr"/>
+          <a:lstStyle/>
+          <a:p>
+            <a:pPr algn="ctr"/>
+            <a:endParaRPr lang="es-ES"/>
+          </a:p>
+        </p:txBody>
+      </p:sp>
+      <p:sp>
+        <p:nvSpPr>
+          <p:cNvPr id="8" name="7 Elipse"/>
+          <p:cNvSpPr/>
+          <p:nvPr/>
+        </p:nvSpPr>
+        <p:spPr>
+          <a:xfrm>
+            <a:off x="395536" y="3861048"/>
+            <a:ext cx="216024" cy="216024"/>
+          </a:xfrm>
+          <a:prstGeom prst="ellipse">
+            <a:avLst/>
+          </a:prstGeom>
+          <a:solidFill>
+            <a:srgbClr val="FFC000"/>
+          </a:solidFill>
+        </p:spPr>
+        <p:style>
+          <a:lnRef idx="2">
+            <a:schemeClr val="accent1">
+              <a:shade val="50000"/>
+            </a:schemeClr>
+          </a:lnRef>
+          <a:fillRef idx="1">
+            <a:schemeClr val="accent1"/>
+          </a:fillRef>
+          <a:effectRef idx="0">
+            <a:schemeClr val="accent1"/>
+          </a:effectRef>
+          <a:fontRef idx="minor">
+            <a:schemeClr val="lt1"/>
+          </a:fontRef>
+        </p:style>
+        <p:txBody>
+          <a:bodyPr rtlCol="0" anchor="ctr"/>
+          <a:lstStyle/>
+          <a:p>
+            <a:pPr algn="ctr"/>
+            <a:endParaRPr lang="es-ES"/>
+          </a:p>
+        </p:txBody>
+      </p:sp>
+      <p:sp>
+        <p:nvSpPr>
+          <p:cNvPr id="9" name="8 Elipse"/>
+          <p:cNvSpPr/>
+          <p:nvPr/>
+        </p:nvSpPr>
+        <p:spPr>
+          <a:xfrm>
+            <a:off x="395536" y="4221088"/>
+            <a:ext cx="216024" cy="216024"/>
+          </a:xfrm>
+          <a:prstGeom prst="ellipse">
+            <a:avLst/>
+          </a:prstGeom>
+        </p:spPr>
+        <p:style>
+          <a:lnRef idx="2">
+            <a:schemeClr val="accent1">
+              <a:shade val="50000"/>
+            </a:schemeClr>
+          </a:lnRef>
+          <a:fillRef idx="1">
+            <a:schemeClr val="accent1"/>
+          </a:fillRef>
+          <a:effectRef idx="0">
+            <a:schemeClr val="accent1"/>
+          </a:effectRef>
+          <a:fontRef idx="minor">
+            <a:schemeClr val="lt1"/>
+          </a:fontRef>
+        </p:style>
+        <p:txBody>
+          <a:bodyPr rtlCol="0" anchor="ctr"/>
+          <a:lstStyle/>
+          <a:p>
+            <a:pPr algn="ctr"/>
+            <a:endParaRPr lang="es-ES"/>
+          </a:p>
+        </p:txBody>
+      </p:sp>
+      <p:sp>
+        <p:nvSpPr>
+          <p:cNvPr id="10" name="9 Elipse"/>
+          <p:cNvSpPr/>
+          <p:nvPr/>
+        </p:nvSpPr>
+        <p:spPr>
+          <a:xfrm>
+            <a:off x="395536" y="4581128"/>
+            <a:ext cx="216024" cy="216024"/>
+          </a:xfrm>
+          <a:prstGeom prst="ellipse">
+            <a:avLst/>
+          </a:prstGeom>
+        </p:spPr>
+        <p:style>
+          <a:lnRef idx="2">
+            <a:schemeClr val="accent1">
+              <a:shade val="50000"/>
+            </a:schemeClr>
+          </a:lnRef>
+          <a:fillRef idx="1">
+            <a:schemeClr val="accent1"/>
+          </a:fillRef>
+          <a:effectRef idx="0">
+            <a:schemeClr val="accent1"/>
+          </a:effectRef>
+          <a:fontRef idx="minor">
+            <a:schemeClr val="lt1"/>
+          </a:fontRef>
+        </p:style>
+        <p:txBody>
+          <a:bodyPr rtlCol="0" anchor="ctr"/>
+          <a:lstStyle/>
+          <a:p>
+            <a:pPr algn="ctr"/>
+            <a:endParaRPr lang="es-ES"/>
+          </a:p>
+        </p:txBody>
+      </p:sp>
+      <p:sp>
+        <p:nvSpPr>
+          <p:cNvPr id="11" name="10 Rectángulo"/>
+          <p:cNvSpPr/>
+          <p:nvPr/>
+        </p:nvSpPr>
+        <p:spPr>
+          <a:xfrm>
+            <a:off x="2123728" y="2924944"/>
+            <a:ext cx="1584176" cy="1584176"/>
+          </a:xfrm>
+          <a:prstGeom prst="rect">
+            <a:avLst/>
+          </a:prstGeom>
+          <a:solidFill>
+            <a:schemeClr val="accent6">
+              <a:lumMod val="20000"/>
+              <a:lumOff val="80000"/>
+            </a:schemeClr>
+          </a:solidFill>
+        </p:spPr>
+        <p:style>
+          <a:lnRef idx="2">
+            <a:schemeClr val="accent1">
+              <a:shade val="50000"/>
+            </a:schemeClr>
+          </a:lnRef>
+          <a:fillRef idx="1">
+            <a:schemeClr val="accent1"/>
+          </a:fillRef>
+          <a:effectRef idx="0">
+            <a:schemeClr val="accent1"/>
+          </a:effectRef>
+          <a:fontRef idx="minor">
+            <a:schemeClr val="lt1"/>
+          </a:fontRef>
+        </p:style>
+        <p:txBody>
+          <a:bodyPr rtlCol="0" anchor="ctr"/>
+          <a:lstStyle/>
+          <a:p>
+            <a:pPr algn="ctr"/>
+            <a:r>
+              <a:rPr lang="es-ES" dirty="0" smtClean="0">
+                <a:solidFill>
+                  <a:schemeClr val="tx1"/>
+                </a:solidFill>
+              </a:rPr>
+              <a:t>OFF/ON </a:t>
+            </a:r>
+          </a:p>
+          <a:p>
+            <a:pPr algn="ctr"/>
+            <a:r>
+              <a:rPr lang="es-ES" dirty="0" smtClean="0">
+                <a:solidFill>
+                  <a:schemeClr val="tx1"/>
+                </a:solidFill>
+              </a:rPr>
+              <a:t>1</a:t>
+            </a:r>
+          </a:p>
+          <a:p>
+            <a:pPr algn="ctr"/>
+            <a:r>
+              <a:rPr lang="es-ES" dirty="0" smtClean="0">
+                <a:solidFill>
+                  <a:schemeClr val="tx1"/>
+                </a:solidFill>
+              </a:rPr>
+              <a:t>2</a:t>
+            </a:r>
+          </a:p>
+          <a:p>
+            <a:pPr algn="ctr"/>
+            <a:r>
+              <a:rPr lang="es-ES" dirty="0" smtClean="0">
+                <a:solidFill>
+                  <a:schemeClr val="tx1"/>
+                </a:solidFill>
+              </a:rPr>
+              <a:t>3</a:t>
+            </a:r>
+          </a:p>
+          <a:p>
+            <a:pPr algn="ctr"/>
+            <a:r>
+              <a:rPr lang="es-ES" dirty="0" smtClean="0">
+                <a:solidFill>
+                  <a:schemeClr val="tx1"/>
+                </a:solidFill>
+              </a:rPr>
+              <a:t>4</a:t>
+            </a:r>
+            <a:endParaRPr lang="es-ES" dirty="0">
+              <a:solidFill>
+                <a:schemeClr val="tx1"/>
+              </a:solidFill>
+            </a:endParaRPr>
+          </a:p>
+        </p:txBody>
+      </p:sp>
+      <p:sp>
+        <p:nvSpPr>
+          <p:cNvPr id="12" name="11 Elipse"/>
+          <p:cNvSpPr/>
+          <p:nvPr/>
+        </p:nvSpPr>
+        <p:spPr>
+          <a:xfrm>
+            <a:off x="2123728" y="3356992"/>
+            <a:ext cx="144016" cy="144016"/>
+          </a:xfrm>
+          <a:prstGeom prst="ellipse">
+            <a:avLst/>
+          </a:prstGeom>
+          <a:solidFill>
+            <a:srgbClr val="FF0000"/>
+          </a:solidFill>
+        </p:spPr>
+        <p:style>
+          <a:lnRef idx="2">
+            <a:schemeClr val="accent1">
+              <a:shade val="50000"/>
+            </a:schemeClr>
+          </a:lnRef>
+          <a:fillRef idx="1">
+            <a:schemeClr val="accent1"/>
+          </a:fillRef>
+          <a:effectRef idx="0">
+            <a:schemeClr val="accent1"/>
+          </a:effectRef>
+          <a:fontRef idx="minor">
+            <a:schemeClr val="lt1"/>
+          </a:fontRef>
+        </p:style>
+        <p:txBody>
+          <a:bodyPr rtlCol="0" anchor="ctr"/>
+          <a:lstStyle/>
+          <a:p>
+            <a:pPr algn="ctr"/>
+            <a:endParaRPr lang="es-ES"/>
+          </a:p>
+        </p:txBody>
+      </p:sp>
+      <p:sp>
+        <p:nvSpPr>
+          <p:cNvPr id="13" name="12 Elipse"/>
+          <p:cNvSpPr/>
+          <p:nvPr/>
+        </p:nvSpPr>
+        <p:spPr>
+          <a:xfrm>
+            <a:off x="2123728" y="3645024"/>
+            <a:ext cx="144016" cy="144016"/>
+          </a:xfrm>
+          <a:prstGeom prst="ellipse">
+            <a:avLst/>
+          </a:prstGeom>
+          <a:solidFill>
+            <a:srgbClr val="FF0000"/>
+          </a:solidFill>
+        </p:spPr>
+        <p:style>
+          <a:lnRef idx="2">
+            <a:schemeClr val="accent1">
+              <a:shade val="50000"/>
+            </a:schemeClr>
+          </a:lnRef>
+          <a:fillRef idx="1">
+            <a:schemeClr val="accent1"/>
+          </a:fillRef>
+          <a:effectRef idx="0">
+            <a:schemeClr val="accent1"/>
+          </a:effectRef>
+          <a:fontRef idx="minor">
+            <a:schemeClr val="lt1"/>
+          </a:fontRef>
+        </p:style>
+        <p:txBody>
+          <a:bodyPr rtlCol="0" anchor="ctr"/>
+          <a:lstStyle/>
+          <a:p>
+            <a:pPr algn="ctr"/>
+            <a:endParaRPr lang="es-ES"/>
+          </a:p>
+        </p:txBody>
+      </p:sp>
+      <p:sp>
+        <p:nvSpPr>
+          <p:cNvPr id="14" name="13 Elipse"/>
+          <p:cNvSpPr/>
+          <p:nvPr/>
+        </p:nvSpPr>
+        <p:spPr>
+          <a:xfrm>
+            <a:off x="2123728" y="3933056"/>
+            <a:ext cx="144016" cy="144016"/>
+          </a:xfrm>
+          <a:prstGeom prst="ellipse">
+            <a:avLst/>
+          </a:prstGeom>
+          <a:solidFill>
+            <a:srgbClr val="FF0000"/>
+          </a:solidFill>
+        </p:spPr>
+        <p:style>
+          <a:lnRef idx="2">
+            <a:schemeClr val="accent1">
+              <a:shade val="50000"/>
+            </a:schemeClr>
+          </a:lnRef>
+          <a:fillRef idx="1">
+            <a:schemeClr val="accent1"/>
+          </a:fillRef>
+          <a:effectRef idx="0">
+            <a:schemeClr val="accent1"/>
+          </a:effectRef>
+          <a:fontRef idx="minor">
+            <a:schemeClr val="lt1"/>
+          </a:fontRef>
+        </p:style>
+        <p:txBody>
+          <a:bodyPr rtlCol="0" anchor="ctr"/>
+          <a:lstStyle/>
+          <a:p>
+            <a:pPr algn="ctr"/>
+            <a:endParaRPr lang="es-ES"/>
+          </a:p>
+        </p:txBody>
+      </p:sp>
+      <p:sp>
+        <p:nvSpPr>
+          <p:cNvPr id="15" name="14 Elipse"/>
+          <p:cNvSpPr/>
+          <p:nvPr/>
+        </p:nvSpPr>
+        <p:spPr>
+          <a:xfrm>
+            <a:off x="2123728" y="4221088"/>
+            <a:ext cx="144016" cy="144016"/>
+          </a:xfrm>
+          <a:prstGeom prst="ellipse">
+            <a:avLst/>
+          </a:prstGeom>
+          <a:solidFill>
+            <a:srgbClr val="002060"/>
+          </a:solidFill>
+        </p:spPr>
+        <p:style>
+          <a:lnRef idx="2">
+            <a:schemeClr val="accent1">
+              <a:shade val="50000"/>
+            </a:schemeClr>
+          </a:lnRef>
+          <a:fillRef idx="1">
+            <a:schemeClr val="accent1"/>
+          </a:fillRef>
+          <a:effectRef idx="0">
+            <a:schemeClr val="accent1"/>
+          </a:effectRef>
+          <a:fontRef idx="minor">
+            <a:schemeClr val="lt1"/>
+          </a:fontRef>
+        </p:style>
+        <p:txBody>
+          <a:bodyPr rtlCol="0" anchor="ctr"/>
+          <a:lstStyle/>
+          <a:p>
+            <a:pPr algn="ctr"/>
+            <a:endParaRPr lang="es-ES"/>
+          </a:p>
+        </p:txBody>
+      </p:sp>
+      <p:sp>
+        <p:nvSpPr>
+          <p:cNvPr id="16" name="15 Elipse"/>
+          <p:cNvSpPr/>
+          <p:nvPr/>
+        </p:nvSpPr>
+        <p:spPr>
+          <a:xfrm>
+            <a:off x="3563888" y="3356992"/>
+            <a:ext cx="144016" cy="144016"/>
+          </a:xfrm>
+          <a:prstGeom prst="ellipse">
+            <a:avLst/>
+          </a:prstGeom>
+          <a:solidFill>
+            <a:srgbClr val="CC0000"/>
+          </a:solidFill>
+        </p:spPr>
+        <p:style>
+          <a:lnRef idx="2">
+            <a:schemeClr val="accent1">
+              <a:shade val="50000"/>
+            </a:schemeClr>
+          </a:lnRef>
+          <a:fillRef idx="1">
+            <a:schemeClr val="accent1"/>
+          </a:fillRef>
+          <a:effectRef idx="0">
+            <a:schemeClr val="accent1"/>
+          </a:effectRef>
+          <a:fontRef idx="minor">
+            <a:schemeClr val="lt1"/>
+          </a:fontRef>
+        </p:style>
+        <p:txBody>
+          <a:bodyPr rtlCol="0" anchor="ctr"/>
+          <a:lstStyle/>
+          <a:p>
+            <a:pPr algn="ctr"/>
+            <a:endParaRPr lang="es-ES"/>
+          </a:p>
+        </p:txBody>
+      </p:sp>
+      <p:sp>
+        <p:nvSpPr>
+          <p:cNvPr id="17" name="16 Elipse"/>
+          <p:cNvSpPr/>
+          <p:nvPr/>
+        </p:nvSpPr>
+        <p:spPr>
+          <a:xfrm>
+            <a:off x="3563888" y="3645024"/>
+            <a:ext cx="144016" cy="144016"/>
+          </a:xfrm>
+          <a:prstGeom prst="ellipse">
+            <a:avLst/>
+          </a:prstGeom>
+        </p:spPr>
+        <p:style>
+          <a:lnRef idx="2">
+            <a:schemeClr val="accent1">
+              <a:shade val="50000"/>
+            </a:schemeClr>
+          </a:lnRef>
+          <a:fillRef idx="1">
+            <a:schemeClr val="accent1"/>
+          </a:fillRef>
+          <a:effectRef idx="0">
+            <a:schemeClr val="accent1"/>
+          </a:effectRef>
+          <a:fontRef idx="minor">
+            <a:schemeClr val="lt1"/>
+          </a:fontRef>
+        </p:style>
+        <p:txBody>
+          <a:bodyPr rtlCol="0" anchor="ctr"/>
+          <a:lstStyle/>
+          <a:p>
+            <a:pPr algn="ctr"/>
+            <a:endParaRPr lang="es-ES"/>
+          </a:p>
+        </p:txBody>
+      </p:sp>
+      <p:sp>
+        <p:nvSpPr>
+          <p:cNvPr id="18" name="17 Elipse"/>
+          <p:cNvSpPr/>
+          <p:nvPr/>
+        </p:nvSpPr>
+        <p:spPr>
+          <a:xfrm>
+            <a:off x="3563888" y="3933056"/>
+            <a:ext cx="144016" cy="144016"/>
+          </a:xfrm>
+          <a:prstGeom prst="ellipse">
+            <a:avLst/>
+          </a:prstGeom>
+        </p:spPr>
+        <p:style>
+          <a:lnRef idx="2">
+            <a:schemeClr val="accent1">
+              <a:shade val="50000"/>
+            </a:schemeClr>
+          </a:lnRef>
+          <a:fillRef idx="1">
+            <a:schemeClr val="accent1"/>
+          </a:fillRef>
+          <a:effectRef idx="0">
+            <a:schemeClr val="accent1"/>
+          </a:effectRef>
+          <a:fontRef idx="minor">
+            <a:schemeClr val="lt1"/>
+          </a:fontRef>
+        </p:style>
+        <p:txBody>
+          <a:bodyPr rtlCol="0" anchor="ctr"/>
+          <a:lstStyle/>
+          <a:p>
+            <a:pPr algn="ctr"/>
+            <a:endParaRPr lang="es-ES"/>
+          </a:p>
+        </p:txBody>
+      </p:sp>
+      <p:sp>
+        <p:nvSpPr>
+          <p:cNvPr id="19" name="18 Elipse"/>
+          <p:cNvSpPr/>
+          <p:nvPr/>
+        </p:nvSpPr>
+        <p:spPr>
+          <a:xfrm>
+            <a:off x="3563888" y="4221088"/>
+            <a:ext cx="144016" cy="144016"/>
+          </a:xfrm>
+          <a:prstGeom prst="ellipse">
+            <a:avLst/>
+          </a:prstGeom>
+        </p:spPr>
+        <p:style>
+          <a:lnRef idx="2">
+            <a:schemeClr val="accent1">
+              <a:shade val="50000"/>
+            </a:schemeClr>
+          </a:lnRef>
+          <a:fillRef idx="1">
+            <a:schemeClr val="accent1"/>
+          </a:fillRef>
+          <a:effectRef idx="0">
+            <a:schemeClr val="accent1"/>
+          </a:effectRef>
+          <a:fontRef idx="minor">
+            <a:schemeClr val="lt1"/>
+          </a:fontRef>
+        </p:style>
+        <p:txBody>
+          <a:bodyPr rtlCol="0" anchor="ctr"/>
+          <a:lstStyle/>
+          <a:p>
+            <a:pPr algn="ctr"/>
+            <a:endParaRPr lang="es-ES"/>
+          </a:p>
+        </p:txBody>
+      </p:sp>
+      <p:sp>
+        <p:nvSpPr>
+          <p:cNvPr id="20" name="19 Elipse"/>
+          <p:cNvSpPr/>
+          <p:nvPr/>
+        </p:nvSpPr>
+        <p:spPr>
+          <a:xfrm>
+            <a:off x="5076056" y="3068960"/>
+            <a:ext cx="216024" cy="216024"/>
+          </a:xfrm>
+          <a:prstGeom prst="ellipse">
+            <a:avLst/>
+          </a:prstGeom>
+          <a:solidFill>
+            <a:srgbClr val="FFFF00"/>
+          </a:solidFill>
+        </p:spPr>
+        <p:style>
+          <a:lnRef idx="2">
+            <a:schemeClr val="accent1">
+              <a:shade val="50000"/>
+            </a:schemeClr>
+          </a:lnRef>
+          <a:fillRef idx="1">
+            <a:schemeClr val="accent1"/>
+          </a:fillRef>
+          <a:effectRef idx="0">
+            <a:schemeClr val="accent1"/>
+          </a:effectRef>
+          <a:fontRef idx="minor">
+            <a:schemeClr val="lt1"/>
+          </a:fontRef>
+        </p:style>
+        <p:txBody>
+          <a:bodyPr rtlCol="0" anchor="ctr"/>
+          <a:lstStyle/>
+          <a:p>
+            <a:pPr algn="ctr"/>
+            <a:endParaRPr lang="es-ES"/>
+          </a:p>
+        </p:txBody>
+      </p:sp>
+      <p:sp>
+        <p:nvSpPr>
+          <p:cNvPr id="21" name="20 Elipse"/>
+          <p:cNvSpPr/>
+          <p:nvPr/>
+        </p:nvSpPr>
+        <p:spPr>
+          <a:xfrm>
+            <a:off x="5076056" y="3429000"/>
+            <a:ext cx="216024" cy="216024"/>
+          </a:xfrm>
+          <a:prstGeom prst="ellipse">
+            <a:avLst/>
+          </a:prstGeom>
+          <a:solidFill>
+            <a:srgbClr val="CC0000"/>
+          </a:solidFill>
+        </p:spPr>
+        <p:style>
+          <a:lnRef idx="2">
+            <a:schemeClr val="accent1">
+              <a:shade val="50000"/>
+            </a:schemeClr>
+          </a:lnRef>
+          <a:fillRef idx="1">
+            <a:schemeClr val="accent1"/>
+          </a:fillRef>
+          <a:effectRef idx="0">
+            <a:schemeClr val="accent1"/>
+          </a:effectRef>
+          <a:fontRef idx="minor">
+            <a:schemeClr val="lt1"/>
+          </a:fontRef>
+        </p:style>
+        <p:txBody>
+          <a:bodyPr rtlCol="0" anchor="ctr"/>
+          <a:lstStyle/>
+          <a:p>
+            <a:pPr algn="ctr"/>
+            <a:endParaRPr lang="es-ES"/>
+          </a:p>
+        </p:txBody>
+      </p:sp>
+      <p:sp>
+        <p:nvSpPr>
+          <p:cNvPr id="22" name="21 Elipse"/>
+          <p:cNvSpPr/>
+          <p:nvPr/>
+        </p:nvSpPr>
+        <p:spPr>
+          <a:xfrm>
+            <a:off x="5076056" y="3789040"/>
+            <a:ext cx="216024" cy="216024"/>
+          </a:xfrm>
+          <a:prstGeom prst="ellipse">
+            <a:avLst/>
+          </a:prstGeom>
+        </p:spPr>
+        <p:style>
+          <a:lnRef idx="2">
+            <a:schemeClr val="accent1">
+              <a:shade val="50000"/>
+            </a:schemeClr>
+          </a:lnRef>
+          <a:fillRef idx="1">
+            <a:schemeClr val="accent1"/>
+          </a:fillRef>
+          <a:effectRef idx="0">
+            <a:schemeClr val="accent1"/>
+          </a:effectRef>
+          <a:fontRef idx="minor">
+            <a:schemeClr val="lt1"/>
+          </a:fontRef>
+        </p:style>
+        <p:txBody>
+          <a:bodyPr rtlCol="0" anchor="ctr"/>
+          <a:lstStyle/>
+          <a:p>
+            <a:pPr algn="ctr"/>
+            <a:endParaRPr lang="es-ES"/>
+          </a:p>
+        </p:txBody>
+      </p:sp>
+      <p:sp>
+        <p:nvSpPr>
+          <p:cNvPr id="23" name="22 Elipse"/>
+          <p:cNvSpPr/>
+          <p:nvPr/>
+        </p:nvSpPr>
+        <p:spPr>
+          <a:xfrm>
+            <a:off x="5076056" y="4149080"/>
+            <a:ext cx="216024" cy="216024"/>
+          </a:xfrm>
+          <a:prstGeom prst="ellipse">
+            <a:avLst/>
+          </a:prstGeom>
+          <a:solidFill>
+            <a:srgbClr val="CC0000"/>
+          </a:solidFill>
+        </p:spPr>
+        <p:style>
+          <a:lnRef idx="2">
+            <a:schemeClr val="accent1">
+              <a:shade val="50000"/>
+            </a:schemeClr>
+          </a:lnRef>
+          <a:fillRef idx="1">
+            <a:schemeClr val="accent1"/>
+          </a:fillRef>
+          <a:effectRef idx="0">
+            <a:schemeClr val="accent1"/>
+          </a:effectRef>
+          <a:fontRef idx="minor">
+            <a:schemeClr val="lt1"/>
+          </a:fontRef>
+        </p:style>
+        <p:txBody>
+          <a:bodyPr rtlCol="0" anchor="ctr"/>
+          <a:lstStyle/>
+          <a:p>
+            <a:pPr algn="ctr"/>
+            <a:endParaRPr lang="es-ES"/>
+          </a:p>
+        </p:txBody>
+      </p:sp>
+      <p:sp>
+        <p:nvSpPr>
+          <p:cNvPr id="24" name="23 Elipse"/>
+          <p:cNvSpPr/>
+          <p:nvPr/>
+        </p:nvSpPr>
+        <p:spPr>
+          <a:xfrm>
+            <a:off x="5652120" y="3068960"/>
+            <a:ext cx="216024" cy="216024"/>
+          </a:xfrm>
+          <a:prstGeom prst="ellipse">
+            <a:avLst/>
+          </a:prstGeom>
+          <a:solidFill>
+            <a:srgbClr val="002060"/>
+          </a:solidFill>
+        </p:spPr>
+        <p:style>
+          <a:lnRef idx="2">
+            <a:schemeClr val="accent1">
+              <a:shade val="50000"/>
+            </a:schemeClr>
+          </a:lnRef>
+          <a:fillRef idx="1">
+            <a:schemeClr val="accent1"/>
+          </a:fillRef>
+          <a:effectRef idx="0">
+            <a:schemeClr val="accent1"/>
+          </a:effectRef>
+          <a:fontRef idx="minor">
+            <a:schemeClr val="lt1"/>
+          </a:fontRef>
+        </p:style>
+        <p:txBody>
+          <a:bodyPr rtlCol="0" anchor="ctr"/>
+          <a:lstStyle/>
+          <a:p>
+            <a:pPr algn="ctr"/>
+            <a:endParaRPr lang="es-ES"/>
+          </a:p>
+        </p:txBody>
+      </p:sp>
+      <p:sp>
+        <p:nvSpPr>
+          <p:cNvPr id="25" name="24 Elipse"/>
+          <p:cNvSpPr/>
+          <p:nvPr/>
+        </p:nvSpPr>
+        <p:spPr>
+          <a:xfrm>
+            <a:off x="5652120" y="3429000"/>
+            <a:ext cx="216024" cy="216024"/>
+          </a:xfrm>
+          <a:prstGeom prst="ellipse">
+            <a:avLst/>
+          </a:prstGeom>
+        </p:spPr>
+        <p:style>
+          <a:lnRef idx="2">
+            <a:schemeClr val="accent1">
+              <a:shade val="50000"/>
+            </a:schemeClr>
+          </a:lnRef>
+          <a:fillRef idx="1">
+            <a:schemeClr val="accent1"/>
+          </a:fillRef>
+          <a:effectRef idx="0">
+            <a:schemeClr val="accent1"/>
+          </a:effectRef>
+          <a:fontRef idx="minor">
+            <a:schemeClr val="lt1"/>
+          </a:fontRef>
+        </p:style>
+        <p:txBody>
+          <a:bodyPr rtlCol="0" anchor="ctr"/>
+          <a:lstStyle/>
+          <a:p>
+            <a:pPr algn="ctr"/>
+            <a:endParaRPr lang="es-ES"/>
+          </a:p>
+        </p:txBody>
+      </p:sp>
+      <p:sp>
+        <p:nvSpPr>
+          <p:cNvPr id="26" name="25 Elipse"/>
+          <p:cNvSpPr/>
+          <p:nvPr/>
+        </p:nvSpPr>
+        <p:spPr>
+          <a:xfrm>
+            <a:off x="5652120" y="3789040"/>
+            <a:ext cx="216024" cy="216024"/>
+          </a:xfrm>
+          <a:prstGeom prst="ellipse">
+            <a:avLst/>
+          </a:prstGeom>
+        </p:spPr>
+        <p:style>
+          <a:lnRef idx="2">
+            <a:schemeClr val="accent1">
+              <a:shade val="50000"/>
+            </a:schemeClr>
+          </a:lnRef>
+          <a:fillRef idx="1">
+            <a:schemeClr val="accent1"/>
+          </a:fillRef>
+          <a:effectRef idx="0">
+            <a:schemeClr val="accent1"/>
+          </a:effectRef>
+          <a:fontRef idx="minor">
+            <a:schemeClr val="lt1"/>
+          </a:fontRef>
+        </p:style>
+        <p:txBody>
+          <a:bodyPr rtlCol="0" anchor="ctr"/>
+          <a:lstStyle/>
+          <a:p>
+            <a:pPr algn="ctr"/>
+            <a:endParaRPr lang="es-ES"/>
+          </a:p>
+        </p:txBody>
+      </p:sp>
+      <p:sp>
+        <p:nvSpPr>
+          <p:cNvPr id="27" name="26 Elipse"/>
+          <p:cNvSpPr/>
+          <p:nvPr/>
+        </p:nvSpPr>
+        <p:spPr>
+          <a:xfrm>
+            <a:off x="5652120" y="4149080"/>
+            <a:ext cx="216024" cy="216024"/>
+          </a:xfrm>
+          <a:prstGeom prst="ellipse">
+            <a:avLst/>
+          </a:prstGeom>
+          <a:solidFill>
+            <a:srgbClr val="FFC000"/>
+          </a:solidFill>
+        </p:spPr>
+        <p:style>
+          <a:lnRef idx="2">
+            <a:schemeClr val="accent1">
+              <a:shade val="50000"/>
+            </a:schemeClr>
+          </a:lnRef>
+          <a:fillRef idx="1">
+            <a:schemeClr val="accent1"/>
+          </a:fillRef>
+          <a:effectRef idx="0">
+            <a:schemeClr val="accent1"/>
+          </a:effectRef>
+          <a:fontRef idx="minor">
+            <a:schemeClr val="lt1"/>
+          </a:fontRef>
+        </p:style>
+        <p:txBody>
+          <a:bodyPr rtlCol="0" anchor="ctr"/>
+          <a:lstStyle/>
+          <a:p>
+            <a:pPr algn="ctr"/>
+            <a:endParaRPr lang="es-ES"/>
+          </a:p>
+        </p:txBody>
+      </p:sp>
+      <p:sp>
+        <p:nvSpPr>
+          <p:cNvPr id="28" name="27 CuadroTexto"/>
+          <p:cNvSpPr txBox="1"/>
+          <p:nvPr/>
+        </p:nvSpPr>
+        <p:spPr>
+          <a:xfrm>
+            <a:off x="4687084" y="3048000"/>
+            <a:ext cx="428322" cy="1569660"/>
+          </a:xfrm>
+          <a:prstGeom prst="rect">
+            <a:avLst/>
+          </a:prstGeom>
+          <a:noFill/>
+        </p:spPr>
+        <p:txBody>
+          <a:bodyPr wrap="none" rtlCol="0">
+            <a:spAutoFit/>
+          </a:bodyPr>
+          <a:lstStyle/>
+          <a:p>
+            <a:pPr algn="r"/>
+            <a:r>
+              <a:rPr lang="es-ES" sz="1200" dirty="0" smtClean="0"/>
+              <a:t>TX</a:t>
+            </a:r>
+          </a:p>
+          <a:p>
+            <a:pPr algn="r"/>
+            <a:endParaRPr lang="es-ES" sz="1200" dirty="0" smtClean="0"/>
+          </a:p>
+          <a:p>
+            <a:pPr algn="r"/>
+            <a:r>
+              <a:rPr lang="es-ES" sz="1200" dirty="0" smtClean="0"/>
+              <a:t>EN</a:t>
+            </a:r>
+          </a:p>
+          <a:p>
+            <a:pPr algn="r"/>
+            <a:endParaRPr lang="es-ES" sz="1200" dirty="0" smtClean="0"/>
+          </a:p>
+          <a:p>
+            <a:pPr algn="r"/>
+            <a:r>
+              <a:rPr lang="es-ES" sz="1200" dirty="0" smtClean="0"/>
+              <a:t>RST</a:t>
+            </a:r>
+          </a:p>
+          <a:p>
+            <a:pPr algn="r"/>
+            <a:endParaRPr lang="es-ES" sz="1200" dirty="0" smtClean="0"/>
+          </a:p>
+          <a:p>
+            <a:pPr algn="r"/>
+            <a:r>
+              <a:rPr lang="es-ES" sz="1200" dirty="0" smtClean="0"/>
+              <a:t>3V3</a:t>
+            </a:r>
+          </a:p>
+          <a:p>
+            <a:pPr algn="r"/>
+            <a:endParaRPr lang="es-ES" sz="1200" dirty="0"/>
+          </a:p>
+        </p:txBody>
+      </p:sp>
+      <p:sp>
+        <p:nvSpPr>
+          <p:cNvPr id="29" name="28 CuadroTexto"/>
+          <p:cNvSpPr txBox="1"/>
+          <p:nvPr/>
+        </p:nvSpPr>
+        <p:spPr>
+          <a:xfrm>
+            <a:off x="5832396" y="3035424"/>
+            <a:ext cx="479618" cy="1569660"/>
+          </a:xfrm>
+          <a:prstGeom prst="rect">
+            <a:avLst/>
+          </a:prstGeom>
+          <a:noFill/>
+        </p:spPr>
+        <p:txBody>
+          <a:bodyPr wrap="none" rtlCol="0">
+            <a:spAutoFit/>
+          </a:bodyPr>
+          <a:lstStyle/>
+          <a:p>
+            <a:r>
+              <a:rPr lang="es-ES" sz="1200" dirty="0" smtClean="0"/>
+              <a:t>GND</a:t>
+            </a:r>
+          </a:p>
+          <a:p>
+            <a:endParaRPr lang="es-ES" sz="1200" dirty="0" smtClean="0"/>
+          </a:p>
+          <a:p>
+            <a:r>
+              <a:rPr lang="es-ES" sz="1200" dirty="0" smtClean="0"/>
+              <a:t>IO2</a:t>
+            </a:r>
+          </a:p>
+          <a:p>
+            <a:endParaRPr lang="es-ES" sz="1200" dirty="0" smtClean="0"/>
+          </a:p>
+          <a:p>
+            <a:r>
+              <a:rPr lang="es-ES" sz="1200" dirty="0" smtClean="0"/>
+              <a:t>IO0</a:t>
+            </a:r>
+          </a:p>
+          <a:p>
+            <a:endParaRPr lang="es-ES" sz="1200" dirty="0" smtClean="0"/>
+          </a:p>
+          <a:p>
+            <a:r>
+              <a:rPr lang="es-ES" sz="1200" dirty="0" smtClean="0"/>
+              <a:t>RX</a:t>
+            </a:r>
+          </a:p>
+          <a:p>
+            <a:endParaRPr lang="es-ES" sz="1200" dirty="0"/>
+          </a:p>
+        </p:txBody>
+      </p:sp>
+      <p:sp>
+        <p:nvSpPr>
+          <p:cNvPr id="30" name="29 CuadroTexto"/>
+          <p:cNvSpPr txBox="1"/>
+          <p:nvPr/>
+        </p:nvSpPr>
+        <p:spPr>
+          <a:xfrm>
+            <a:off x="625624" y="2750820"/>
+            <a:ext cx="962123" cy="2308324"/>
+          </a:xfrm>
+          <a:prstGeom prst="rect">
+            <a:avLst/>
+          </a:prstGeom>
+          <a:noFill/>
+        </p:spPr>
+        <p:txBody>
+          <a:bodyPr wrap="none" rtlCol="0">
+            <a:spAutoFit/>
+          </a:bodyPr>
+          <a:lstStyle/>
+          <a:p>
+            <a:r>
+              <a:rPr lang="es-ES" sz="1200" dirty="0" smtClean="0">
+                <a:solidFill>
+                  <a:schemeClr val="bg1">
+                    <a:lumMod val="75000"/>
+                  </a:schemeClr>
+                </a:solidFill>
+              </a:rPr>
+              <a:t>CTS</a:t>
+            </a:r>
+            <a:r>
+              <a:rPr lang="es-ES" sz="600" dirty="0" smtClean="0">
+                <a:solidFill>
+                  <a:schemeClr val="bg1">
+                    <a:lumMod val="75000"/>
+                  </a:schemeClr>
+                </a:solidFill>
+              </a:rPr>
+              <a:t> Marrón</a:t>
+            </a:r>
+            <a:endParaRPr lang="es-ES" sz="1200" dirty="0" smtClean="0">
+              <a:solidFill>
+                <a:schemeClr val="bg1">
+                  <a:lumMod val="75000"/>
+                </a:schemeClr>
+              </a:solidFill>
+            </a:endParaRPr>
+          </a:p>
+          <a:p>
+            <a:endParaRPr lang="es-ES" sz="1200" dirty="0" smtClean="0">
+              <a:solidFill>
+                <a:schemeClr val="bg1">
+                  <a:lumMod val="75000"/>
+                </a:schemeClr>
+              </a:solidFill>
+            </a:endParaRPr>
+          </a:p>
+          <a:p>
+            <a:r>
+              <a:rPr lang="es-ES" sz="1200" dirty="0" smtClean="0">
+                <a:solidFill>
+                  <a:schemeClr val="bg1">
+                    <a:lumMod val="75000"/>
+                  </a:schemeClr>
+                </a:solidFill>
+              </a:rPr>
+              <a:t>RTS</a:t>
+            </a:r>
+            <a:r>
+              <a:rPr lang="es-ES" sz="800" dirty="0" smtClean="0">
+                <a:solidFill>
+                  <a:schemeClr val="bg1">
+                    <a:lumMod val="75000"/>
+                  </a:schemeClr>
+                </a:solidFill>
+              </a:rPr>
+              <a:t> Verde</a:t>
+            </a:r>
+            <a:endParaRPr lang="es-ES" sz="1200" dirty="0" smtClean="0">
+              <a:solidFill>
+                <a:schemeClr val="bg1">
+                  <a:lumMod val="75000"/>
+                </a:schemeClr>
+              </a:solidFill>
+            </a:endParaRPr>
+          </a:p>
+          <a:p>
+            <a:endParaRPr lang="es-ES" sz="1200" dirty="0" smtClean="0"/>
+          </a:p>
+          <a:p>
+            <a:r>
+              <a:rPr lang="es-ES" sz="1200" dirty="0" smtClean="0"/>
+              <a:t>RX_PC</a:t>
+            </a:r>
+            <a:r>
+              <a:rPr lang="es-ES" sz="800" dirty="0" smtClean="0"/>
+              <a:t> Amarillo</a:t>
+            </a:r>
+            <a:endParaRPr lang="es-ES" sz="1200" dirty="0" smtClean="0"/>
+          </a:p>
+          <a:p>
+            <a:endParaRPr lang="es-ES" sz="1200" dirty="0" smtClean="0"/>
+          </a:p>
+          <a:p>
+            <a:r>
+              <a:rPr lang="es-ES" sz="1200" dirty="0" smtClean="0"/>
+              <a:t>TX_PC</a:t>
+            </a:r>
+            <a:r>
+              <a:rPr lang="es-ES" sz="800" dirty="0" smtClean="0"/>
+              <a:t> Naranja</a:t>
+            </a:r>
+            <a:endParaRPr lang="es-ES" sz="1200" dirty="0" smtClean="0"/>
+          </a:p>
+          <a:p>
+            <a:endParaRPr lang="es-ES" sz="1200" dirty="0" smtClean="0"/>
+          </a:p>
+          <a:p>
+            <a:r>
+              <a:rPr lang="es-ES" sz="1200" dirty="0" smtClean="0"/>
+              <a:t>GND</a:t>
+            </a:r>
+            <a:r>
+              <a:rPr lang="es-ES" sz="800" dirty="0" smtClean="0"/>
+              <a:t> Negro</a:t>
+            </a:r>
+            <a:endParaRPr lang="es-ES" sz="1200" dirty="0" smtClean="0"/>
+          </a:p>
+          <a:p>
+            <a:endParaRPr lang="es-ES" sz="1200" dirty="0" smtClean="0"/>
+          </a:p>
+          <a:p>
+            <a:r>
+              <a:rPr lang="es-ES" sz="1200" dirty="0" smtClean="0">
+                <a:solidFill>
+                  <a:schemeClr val="bg1">
+                    <a:lumMod val="75000"/>
+                  </a:schemeClr>
+                </a:solidFill>
+              </a:rPr>
+              <a:t>5V</a:t>
+            </a:r>
+            <a:r>
+              <a:rPr lang="es-ES" sz="800" dirty="0" smtClean="0">
+                <a:solidFill>
+                  <a:schemeClr val="bg1">
+                    <a:lumMod val="75000"/>
+                  </a:schemeClr>
+                </a:solidFill>
+              </a:rPr>
+              <a:t> rojo</a:t>
+            </a:r>
+            <a:endParaRPr lang="es-ES" sz="1200" dirty="0" smtClean="0">
+              <a:solidFill>
+                <a:schemeClr val="bg1">
+                  <a:lumMod val="75000"/>
+                </a:schemeClr>
+              </a:solidFill>
+            </a:endParaRPr>
+          </a:p>
+          <a:p>
+            <a:endParaRPr lang="es-ES" sz="1200" dirty="0"/>
+          </a:p>
+        </p:txBody>
+      </p:sp>
+      <p:sp>
+        <p:nvSpPr>
+          <p:cNvPr id="31" name="30 Elipse"/>
+          <p:cNvSpPr/>
+          <p:nvPr/>
+        </p:nvSpPr>
+        <p:spPr>
+          <a:xfrm>
+            <a:off x="395536" y="1772816"/>
+            <a:ext cx="216024" cy="216024"/>
+          </a:xfrm>
+          <a:prstGeom prst="ellipse">
+            <a:avLst/>
+          </a:prstGeom>
+          <a:solidFill>
+            <a:srgbClr val="002060"/>
+          </a:solidFill>
+        </p:spPr>
+        <p:style>
+          <a:lnRef idx="2">
+            <a:schemeClr val="accent1">
+              <a:shade val="50000"/>
+            </a:schemeClr>
+          </a:lnRef>
+          <a:fillRef idx="1">
+            <a:schemeClr val="accent1"/>
+          </a:fillRef>
+          <a:effectRef idx="0">
+            <a:schemeClr val="accent1"/>
+          </a:effectRef>
+          <a:fontRef idx="minor">
+            <a:schemeClr val="lt1"/>
+          </a:fontRef>
+        </p:style>
+        <p:txBody>
+          <a:bodyPr rtlCol="0" anchor="ctr"/>
+          <a:lstStyle/>
+          <a:p>
+            <a:pPr algn="ctr"/>
+            <a:endParaRPr lang="es-ES"/>
+          </a:p>
+        </p:txBody>
+      </p:sp>
+      <p:sp>
+        <p:nvSpPr>
+          <p:cNvPr id="32" name="31 Elipse"/>
+          <p:cNvSpPr/>
+          <p:nvPr/>
+        </p:nvSpPr>
+        <p:spPr>
+          <a:xfrm>
+            <a:off x="395536" y="2132856"/>
+            <a:ext cx="216024" cy="216024"/>
+          </a:xfrm>
+          <a:prstGeom prst="ellipse">
+            <a:avLst/>
+          </a:prstGeom>
+          <a:solidFill>
+            <a:srgbClr val="FF0000"/>
+          </a:solidFill>
+        </p:spPr>
+        <p:style>
+          <a:lnRef idx="2">
+            <a:schemeClr val="accent1">
+              <a:shade val="50000"/>
+            </a:schemeClr>
+          </a:lnRef>
+          <a:fillRef idx="1">
+            <a:schemeClr val="accent1"/>
+          </a:fillRef>
+          <a:effectRef idx="0">
+            <a:schemeClr val="accent1"/>
+          </a:effectRef>
+          <a:fontRef idx="minor">
+            <a:schemeClr val="lt1"/>
+          </a:fontRef>
+        </p:style>
+        <p:txBody>
+          <a:bodyPr rtlCol="0" anchor="ctr"/>
+          <a:lstStyle/>
+          <a:p>
+            <a:pPr algn="ctr"/>
+            <a:endParaRPr lang="es-ES"/>
+          </a:p>
+        </p:txBody>
+      </p:sp>
+      <p:sp>
+        <p:nvSpPr>
+          <p:cNvPr id="34" name="33 Rectángulo redondeado"/>
+          <p:cNvSpPr/>
+          <p:nvPr/>
+        </p:nvSpPr>
+        <p:spPr>
+          <a:xfrm>
+            <a:off x="4499992" y="4581128"/>
+            <a:ext cx="144016" cy="504056"/>
+          </a:xfrm>
+          <a:prstGeom prst="roundRect">
+            <a:avLst/>
+          </a:prstGeom>
+          <a:solidFill>
+            <a:schemeClr val="accent2">
+              <a:lumMod val="60000"/>
+              <a:lumOff val="40000"/>
+            </a:schemeClr>
+          </a:solidFill>
+          <a:ln>
+            <a:solidFill>
+              <a:schemeClr val="bg1"/>
+            </a:solidFill>
+          </a:ln>
+        </p:spPr>
+        <p:style>
+          <a:lnRef idx="2">
+            <a:schemeClr val="accent1">
+              <a:shade val="50000"/>
+            </a:schemeClr>
+          </a:lnRef>
+          <a:fillRef idx="1">
+            <a:schemeClr val="accent1"/>
+          </a:fillRef>
+          <a:effectRef idx="0">
+            <a:schemeClr val="accent1"/>
+          </a:effectRef>
+          <a:fontRef idx="minor">
+            <a:schemeClr val="lt1"/>
+          </a:fontRef>
+        </p:style>
+        <p:txBody>
+          <a:bodyPr rtlCol="0" anchor="ctr"/>
+          <a:lstStyle/>
+          <a:p>
+            <a:pPr algn="ctr"/>
+            <a:endParaRPr lang="es-ES" dirty="0"/>
+          </a:p>
+        </p:txBody>
+      </p:sp>
+      <p:sp>
+        <p:nvSpPr>
+          <p:cNvPr id="35" name="34 CuadroTexto"/>
+          <p:cNvSpPr txBox="1"/>
+          <p:nvPr/>
+        </p:nvSpPr>
+        <p:spPr>
+          <a:xfrm>
+            <a:off x="4572000" y="4725144"/>
+            <a:ext cx="393056" cy="261610"/>
+          </a:xfrm>
+          <a:prstGeom prst="rect">
+            <a:avLst/>
+          </a:prstGeom>
+          <a:noFill/>
+        </p:spPr>
+        <p:txBody>
+          <a:bodyPr wrap="none" rtlCol="0">
+            <a:spAutoFit/>
+          </a:bodyPr>
+          <a:lstStyle/>
+          <a:p>
+            <a:r>
+              <a:rPr lang="es-ES" sz="1050" dirty="0" smtClean="0"/>
+              <a:t>10k</a:t>
+            </a:r>
+            <a:endParaRPr lang="es-ES" sz="1050" dirty="0"/>
+          </a:p>
+        </p:txBody>
+      </p:sp>
+      <p:cxnSp>
+        <p:nvCxnSpPr>
+          <p:cNvPr id="37" name="36 Conector angular"/>
+          <p:cNvCxnSpPr>
+            <a:stCxn id="22" idx="4"/>
+            <a:endCxn id="34" idx="0"/>
+          </p:cNvCxnSpPr>
+          <p:nvPr/>
+        </p:nvCxnSpPr>
+        <p:spPr>
+          <a:xfrm rot="5400000">
+            <a:off x="4590002" y="3987062"/>
+            <a:ext cx="576064" cy="612068"/>
+          </a:xfrm>
+          <a:prstGeom prst="bentConnector3">
+            <a:avLst>
+              <a:gd name="adj1" fmla="val -2911"/>
+            </a:avLst>
+          </a:prstGeom>
+          <a:ln>
+            <a:solidFill>
+              <a:srgbClr val="00B050"/>
+            </a:solidFill>
+          </a:ln>
+        </p:spPr>
+        <p:style>
+          <a:lnRef idx="1">
+            <a:schemeClr val="accent1"/>
+          </a:lnRef>
+          <a:fillRef idx="0">
+            <a:schemeClr val="accent1"/>
+          </a:fillRef>
+          <a:effectRef idx="0">
+            <a:schemeClr val="accent1"/>
+          </a:effectRef>
+          <a:fontRef idx="minor">
+            <a:schemeClr val="tx1"/>
+          </a:fontRef>
+        </p:style>
+      </p:cxnSp>
+      <p:cxnSp>
+        <p:nvCxnSpPr>
+          <p:cNvPr id="40" name="39 Conector recto"/>
+          <p:cNvCxnSpPr>
+            <a:stCxn id="34" idx="2"/>
+          </p:cNvCxnSpPr>
+          <p:nvPr/>
+        </p:nvCxnSpPr>
+        <p:spPr>
+          <a:xfrm>
+            <a:off x="4572000" y="5085184"/>
+            <a:ext cx="0" cy="288032"/>
+          </a:xfrm>
+          <a:prstGeom prst="line">
+            <a:avLst/>
+          </a:prstGeom>
+        </p:spPr>
+        <p:style>
+          <a:lnRef idx="1">
+            <a:schemeClr val="accent1"/>
+          </a:lnRef>
+          <a:fillRef idx="0">
+            <a:schemeClr val="accent1"/>
+          </a:fillRef>
+          <a:effectRef idx="0">
+            <a:schemeClr val="accent1"/>
+          </a:effectRef>
+          <a:fontRef idx="minor">
+            <a:schemeClr val="tx1"/>
+          </a:fontRef>
+        </p:style>
+      </p:cxnSp>
+      <p:cxnSp>
+        <p:nvCxnSpPr>
+          <p:cNvPr id="42" name="41 Conector recto"/>
+          <p:cNvCxnSpPr/>
+          <p:nvPr/>
+        </p:nvCxnSpPr>
+        <p:spPr>
+          <a:xfrm>
+            <a:off x="4499992" y="5373216"/>
+            <a:ext cx="144016" cy="0"/>
+          </a:xfrm>
+          <a:prstGeom prst="line">
+            <a:avLst/>
+          </a:prstGeom>
+        </p:spPr>
+        <p:style>
+          <a:lnRef idx="1">
+            <a:schemeClr val="accent1"/>
+          </a:lnRef>
+          <a:fillRef idx="0">
+            <a:schemeClr val="accent1"/>
+          </a:fillRef>
+          <a:effectRef idx="0">
+            <a:schemeClr val="accent1"/>
+          </a:effectRef>
+          <a:fontRef idx="minor">
+            <a:schemeClr val="tx1"/>
+          </a:fontRef>
+        </p:style>
+      </p:cxnSp>
+      <p:cxnSp>
+        <p:nvCxnSpPr>
+          <p:cNvPr id="44" name="43 Conector angular"/>
+          <p:cNvCxnSpPr>
+            <a:stCxn id="17" idx="6"/>
+          </p:cNvCxnSpPr>
+          <p:nvPr/>
+        </p:nvCxnSpPr>
+        <p:spPr>
+          <a:xfrm>
+            <a:off x="3707904" y="3717032"/>
+            <a:ext cx="860688" cy="275848"/>
+          </a:xfrm>
+          <a:prstGeom prst="bentConnector3">
+            <a:avLst>
+              <a:gd name="adj1" fmla="val 99579"/>
+            </a:avLst>
+          </a:prstGeom>
+          <a:ln>
+            <a:solidFill>
+              <a:srgbClr val="00B050"/>
+            </a:solidFill>
+          </a:ln>
+        </p:spPr>
+        <p:style>
+          <a:lnRef idx="1">
+            <a:schemeClr val="accent1"/>
+          </a:lnRef>
+          <a:fillRef idx="0">
+            <a:schemeClr val="accent1"/>
+          </a:fillRef>
+          <a:effectRef idx="0">
+            <a:schemeClr val="accent1"/>
+          </a:effectRef>
+          <a:fontRef idx="minor">
+            <a:schemeClr val="tx1"/>
+          </a:fontRef>
+        </p:style>
+      </p:cxnSp>
+      <p:cxnSp>
+        <p:nvCxnSpPr>
+          <p:cNvPr id="47" name="46 Conector recto"/>
+          <p:cNvCxnSpPr>
+            <a:stCxn id="16" idx="6"/>
+          </p:cNvCxnSpPr>
+          <p:nvPr/>
+        </p:nvCxnSpPr>
+        <p:spPr>
+          <a:xfrm>
+            <a:off x="3707904" y="3429000"/>
+            <a:ext cx="1152128" cy="0"/>
+          </a:xfrm>
+          <a:prstGeom prst="line">
+            <a:avLst/>
+          </a:prstGeom>
+          <a:ln>
+            <a:solidFill>
+              <a:srgbClr val="FF0000"/>
+            </a:solidFill>
+          </a:ln>
+        </p:spPr>
+        <p:style>
+          <a:lnRef idx="1">
+            <a:schemeClr val="accent1"/>
+          </a:lnRef>
+          <a:fillRef idx="0">
+            <a:schemeClr val="accent1"/>
+          </a:fillRef>
+          <a:effectRef idx="0">
+            <a:schemeClr val="accent1"/>
+          </a:effectRef>
+          <a:fontRef idx="minor">
+            <a:schemeClr val="tx1"/>
+          </a:fontRef>
+        </p:style>
+      </p:cxnSp>
+      <p:cxnSp>
+        <p:nvCxnSpPr>
+          <p:cNvPr id="49" name="48 Conector recto"/>
+          <p:cNvCxnSpPr/>
+          <p:nvPr/>
+        </p:nvCxnSpPr>
+        <p:spPr>
+          <a:xfrm>
+            <a:off x="4860032" y="3429000"/>
+            <a:ext cx="216024" cy="72008"/>
+          </a:xfrm>
+          <a:prstGeom prst="line">
+            <a:avLst/>
+          </a:prstGeom>
+          <a:ln>
+            <a:solidFill>
+              <a:srgbClr val="FF0000"/>
+            </a:solidFill>
+          </a:ln>
+        </p:spPr>
+        <p:style>
+          <a:lnRef idx="1">
+            <a:schemeClr val="accent1"/>
+          </a:lnRef>
+          <a:fillRef idx="0">
+            <a:schemeClr val="accent1"/>
+          </a:fillRef>
+          <a:effectRef idx="0">
+            <a:schemeClr val="accent1"/>
+          </a:effectRef>
+          <a:fontRef idx="minor">
+            <a:schemeClr val="tx1"/>
+          </a:fontRef>
+        </p:style>
+      </p:cxnSp>
+      <p:cxnSp>
+        <p:nvCxnSpPr>
+          <p:cNvPr id="51" name="50 Conector recto"/>
+          <p:cNvCxnSpPr>
+            <a:stCxn id="21" idx="5"/>
+          </p:cNvCxnSpPr>
+          <p:nvPr/>
+        </p:nvCxnSpPr>
+        <p:spPr>
+          <a:xfrm>
+            <a:off x="5260444" y="3613388"/>
+            <a:ext cx="103644" cy="103644"/>
+          </a:xfrm>
+          <a:prstGeom prst="line">
+            <a:avLst/>
+          </a:prstGeom>
+          <a:ln>
+            <a:solidFill>
+              <a:srgbClr val="FF0000"/>
+            </a:solidFill>
+          </a:ln>
+        </p:spPr>
+        <p:style>
+          <a:lnRef idx="1">
+            <a:schemeClr val="accent1"/>
+          </a:lnRef>
+          <a:fillRef idx="0">
+            <a:schemeClr val="accent1"/>
+          </a:fillRef>
+          <a:effectRef idx="0">
+            <a:schemeClr val="accent1"/>
+          </a:effectRef>
+          <a:fontRef idx="minor">
+            <a:schemeClr val="tx1"/>
+          </a:fontRef>
+        </p:style>
+      </p:cxnSp>
+      <p:cxnSp>
+        <p:nvCxnSpPr>
+          <p:cNvPr id="53" name="52 Conector recto"/>
+          <p:cNvCxnSpPr/>
+          <p:nvPr/>
+        </p:nvCxnSpPr>
+        <p:spPr>
+          <a:xfrm>
+            <a:off x="5364088" y="3717032"/>
+            <a:ext cx="0" cy="360040"/>
+          </a:xfrm>
+          <a:prstGeom prst="line">
+            <a:avLst/>
+          </a:prstGeom>
+          <a:ln>
+            <a:solidFill>
+              <a:srgbClr val="FF0000"/>
+            </a:solidFill>
+          </a:ln>
+        </p:spPr>
+        <p:style>
+          <a:lnRef idx="1">
+            <a:schemeClr val="accent1"/>
+          </a:lnRef>
+          <a:fillRef idx="0">
+            <a:schemeClr val="accent1"/>
+          </a:fillRef>
+          <a:effectRef idx="0">
+            <a:schemeClr val="accent1"/>
+          </a:effectRef>
+          <a:fontRef idx="minor">
+            <a:schemeClr val="tx1"/>
+          </a:fontRef>
+        </p:style>
+      </p:cxnSp>
+      <p:cxnSp>
+        <p:nvCxnSpPr>
+          <p:cNvPr id="55" name="54 Conector recto"/>
+          <p:cNvCxnSpPr>
+            <a:endCxn id="23" idx="7"/>
+          </p:cNvCxnSpPr>
+          <p:nvPr/>
+        </p:nvCxnSpPr>
+        <p:spPr>
+          <a:xfrm flipH="1">
+            <a:off x="5260444" y="4077072"/>
+            <a:ext cx="103644" cy="103644"/>
+          </a:xfrm>
+          <a:prstGeom prst="line">
+            <a:avLst/>
+          </a:prstGeom>
+          <a:ln>
+            <a:solidFill>
+              <a:srgbClr val="FF0000"/>
+            </a:solidFill>
+          </a:ln>
+        </p:spPr>
+        <p:style>
+          <a:lnRef idx="1">
+            <a:schemeClr val="accent1"/>
+          </a:lnRef>
+          <a:fillRef idx="0">
+            <a:schemeClr val="accent1"/>
+          </a:fillRef>
+          <a:effectRef idx="0">
+            <a:schemeClr val="accent1"/>
+          </a:effectRef>
+          <a:fontRef idx="minor">
+            <a:schemeClr val="tx1"/>
+          </a:fontRef>
+        </p:style>
+      </p:cxnSp>
+      <p:cxnSp>
+        <p:nvCxnSpPr>
+          <p:cNvPr id="57" name="56 Conector recto"/>
+          <p:cNvCxnSpPr>
+            <a:stCxn id="14" idx="0"/>
+          </p:cNvCxnSpPr>
+          <p:nvPr/>
+        </p:nvCxnSpPr>
+        <p:spPr>
+          <a:xfrm flipV="1">
+            <a:off x="2195736" y="2204864"/>
+            <a:ext cx="0" cy="1728192"/>
+          </a:xfrm>
+          <a:prstGeom prst="line">
+            <a:avLst/>
+          </a:prstGeom>
+          <a:ln>
+            <a:solidFill>
+              <a:srgbClr val="FF0000"/>
+            </a:solidFill>
+          </a:ln>
+        </p:spPr>
+        <p:style>
+          <a:lnRef idx="1">
+            <a:schemeClr val="accent1"/>
+          </a:lnRef>
+          <a:fillRef idx="0">
+            <a:schemeClr val="accent1"/>
+          </a:fillRef>
+          <a:effectRef idx="0">
+            <a:schemeClr val="accent1"/>
+          </a:effectRef>
+          <a:fontRef idx="minor">
+            <a:schemeClr val="tx1"/>
+          </a:fontRef>
+        </p:style>
+      </p:cxnSp>
+      <p:cxnSp>
+        <p:nvCxnSpPr>
+          <p:cNvPr id="59" name="58 Conector recto"/>
+          <p:cNvCxnSpPr/>
+          <p:nvPr/>
+        </p:nvCxnSpPr>
+        <p:spPr>
+          <a:xfrm flipH="1">
+            <a:off x="611560" y="2204864"/>
+            <a:ext cx="1584176" cy="0"/>
+          </a:xfrm>
+          <a:prstGeom prst="line">
+            <a:avLst/>
+          </a:prstGeom>
+          <a:ln>
+            <a:solidFill>
+              <a:srgbClr val="FF0000"/>
+            </a:solidFill>
+          </a:ln>
+        </p:spPr>
+        <p:style>
+          <a:lnRef idx="1">
+            <a:schemeClr val="accent1"/>
+          </a:lnRef>
+          <a:fillRef idx="0">
+            <a:schemeClr val="accent1"/>
+          </a:fillRef>
+          <a:effectRef idx="0">
+            <a:schemeClr val="accent1"/>
+          </a:effectRef>
+          <a:fontRef idx="minor">
+            <a:schemeClr val="tx1"/>
+          </a:fontRef>
+        </p:style>
+      </p:cxnSp>
+      <p:cxnSp>
+        <p:nvCxnSpPr>
+          <p:cNvPr id="61" name="60 Conector recto"/>
+          <p:cNvCxnSpPr>
+            <a:stCxn id="15" idx="4"/>
+          </p:cNvCxnSpPr>
+          <p:nvPr/>
+        </p:nvCxnSpPr>
+        <p:spPr>
+          <a:xfrm>
+            <a:off x="2195736" y="4365104"/>
+            <a:ext cx="0" cy="864096"/>
+          </a:xfrm>
+          <a:prstGeom prst="line">
+            <a:avLst/>
+          </a:prstGeom>
+        </p:spPr>
+        <p:style>
+          <a:lnRef idx="1">
+            <a:schemeClr val="accent1"/>
+          </a:lnRef>
+          <a:fillRef idx="0">
+            <a:schemeClr val="accent1"/>
+          </a:fillRef>
+          <a:effectRef idx="0">
+            <a:schemeClr val="accent1"/>
+          </a:effectRef>
+          <a:fontRef idx="minor">
+            <a:schemeClr val="tx1"/>
+          </a:fontRef>
+        </p:style>
+      </p:cxnSp>
+      <p:cxnSp>
+        <p:nvCxnSpPr>
+          <p:cNvPr id="63" name="62 Conector recto"/>
+          <p:cNvCxnSpPr/>
+          <p:nvPr/>
+        </p:nvCxnSpPr>
+        <p:spPr>
+          <a:xfrm>
+            <a:off x="2195736" y="5229200"/>
+            <a:ext cx="2376264" cy="0"/>
+          </a:xfrm>
+          <a:prstGeom prst="line">
+            <a:avLst/>
+          </a:prstGeom>
+        </p:spPr>
+        <p:style>
+          <a:lnRef idx="1">
+            <a:schemeClr val="accent1"/>
+          </a:lnRef>
+          <a:fillRef idx="0">
+            <a:schemeClr val="accent1"/>
+          </a:fillRef>
+          <a:effectRef idx="0">
+            <a:schemeClr val="accent1"/>
+          </a:effectRef>
+          <a:fontRef idx="minor">
+            <a:schemeClr val="tx1"/>
+          </a:fontRef>
+        </p:style>
+      </p:cxnSp>
+      <p:cxnSp>
+        <p:nvCxnSpPr>
+          <p:cNvPr id="65" name="64 Conector recto"/>
+          <p:cNvCxnSpPr/>
+          <p:nvPr/>
+        </p:nvCxnSpPr>
+        <p:spPr>
+          <a:xfrm>
+            <a:off x="611560" y="1844824"/>
+            <a:ext cx="5112568" cy="0"/>
+          </a:xfrm>
+          <a:prstGeom prst="line">
+            <a:avLst/>
+          </a:prstGeom>
+        </p:spPr>
+        <p:style>
+          <a:lnRef idx="1">
+            <a:schemeClr val="accent1"/>
+          </a:lnRef>
+          <a:fillRef idx="0">
+            <a:schemeClr val="accent1"/>
+          </a:fillRef>
+          <a:effectRef idx="0">
+            <a:schemeClr val="accent1"/>
+          </a:effectRef>
+          <a:fontRef idx="minor">
+            <a:schemeClr val="tx1"/>
+          </a:fontRef>
+        </p:style>
+      </p:cxnSp>
+      <p:cxnSp>
+        <p:nvCxnSpPr>
+          <p:cNvPr id="68" name="67 Conector recto"/>
+          <p:cNvCxnSpPr/>
+          <p:nvPr/>
+        </p:nvCxnSpPr>
+        <p:spPr>
+          <a:xfrm>
+            <a:off x="2411760" y="1844824"/>
+            <a:ext cx="0" cy="3384376"/>
+          </a:xfrm>
+          <a:prstGeom prst="line">
+            <a:avLst/>
+          </a:prstGeom>
+        </p:spPr>
+        <p:style>
+          <a:lnRef idx="1">
+            <a:schemeClr val="accent1"/>
+          </a:lnRef>
+          <a:fillRef idx="0">
+            <a:schemeClr val="accent1"/>
+          </a:fillRef>
+          <a:effectRef idx="0">
+            <a:schemeClr val="accent1"/>
+          </a:effectRef>
+          <a:fontRef idx="minor">
+            <a:schemeClr val="tx1"/>
+          </a:fontRef>
+        </p:style>
+      </p:cxnSp>
+      <p:cxnSp>
+        <p:nvCxnSpPr>
+          <p:cNvPr id="70" name="69 Conector recto"/>
+          <p:cNvCxnSpPr>
+            <a:stCxn id="18" idx="6"/>
+            <a:endCxn id="25" idx="3"/>
+          </p:cNvCxnSpPr>
+          <p:nvPr/>
+        </p:nvCxnSpPr>
+        <p:spPr>
+          <a:xfrm flipV="1">
+            <a:off x="3707904" y="3613388"/>
+            <a:ext cx="1975852" cy="391676"/>
+          </a:xfrm>
+          <a:prstGeom prst="line">
+            <a:avLst/>
+          </a:prstGeom>
+        </p:spPr>
+        <p:style>
+          <a:lnRef idx="1">
+            <a:schemeClr val="accent1"/>
+          </a:lnRef>
+          <a:fillRef idx="0">
+            <a:schemeClr val="accent1"/>
+          </a:fillRef>
+          <a:effectRef idx="0">
+            <a:schemeClr val="accent1"/>
+          </a:effectRef>
+          <a:fontRef idx="minor">
+            <a:schemeClr val="tx1"/>
+          </a:fontRef>
+        </p:style>
+      </p:cxnSp>
+      <p:cxnSp>
+        <p:nvCxnSpPr>
+          <p:cNvPr id="72" name="71 Conector recto"/>
+          <p:cNvCxnSpPr>
+            <a:stCxn id="19" idx="6"/>
+            <a:endCxn id="26" idx="3"/>
+          </p:cNvCxnSpPr>
+          <p:nvPr/>
+        </p:nvCxnSpPr>
+        <p:spPr>
+          <a:xfrm flipV="1">
+            <a:off x="3707904" y="3973428"/>
+            <a:ext cx="1975852" cy="319668"/>
+          </a:xfrm>
+          <a:prstGeom prst="line">
+            <a:avLst/>
+          </a:prstGeom>
+          <a:ln>
+            <a:solidFill>
+              <a:schemeClr val="accent6">
+                <a:lumMod val="50000"/>
+              </a:schemeClr>
+            </a:solidFill>
+          </a:ln>
+        </p:spPr>
+        <p:style>
+          <a:lnRef idx="1">
+            <a:schemeClr val="accent1"/>
+          </a:lnRef>
+          <a:fillRef idx="0">
+            <a:schemeClr val="accent1"/>
+          </a:fillRef>
+          <a:effectRef idx="0">
+            <a:schemeClr val="accent1"/>
+          </a:effectRef>
+          <a:fontRef idx="minor">
+            <a:schemeClr val="tx1"/>
+          </a:fontRef>
+        </p:style>
+      </p:cxnSp>
+      <p:cxnSp>
+        <p:nvCxnSpPr>
+          <p:cNvPr id="75" name="74 Conector recto"/>
+          <p:cNvCxnSpPr/>
+          <p:nvPr/>
+        </p:nvCxnSpPr>
+        <p:spPr>
+          <a:xfrm>
+            <a:off x="5724128" y="1844824"/>
+            <a:ext cx="0" cy="1152128"/>
+          </a:xfrm>
+          <a:prstGeom prst="line">
+            <a:avLst/>
+          </a:prstGeom>
+        </p:spPr>
+        <p:style>
+          <a:lnRef idx="1">
+            <a:schemeClr val="accent1"/>
+          </a:lnRef>
+          <a:fillRef idx="0">
+            <a:schemeClr val="accent1"/>
+          </a:fillRef>
+          <a:effectRef idx="0">
+            <a:schemeClr val="accent1"/>
+          </a:effectRef>
+          <a:fontRef idx="minor">
+            <a:schemeClr val="tx1"/>
+          </a:fontRef>
+        </p:style>
+      </p:cxnSp>
+      <p:sp>
+        <p:nvSpPr>
+          <p:cNvPr id="33" name="32 CuadroTexto"/>
+          <p:cNvSpPr txBox="1"/>
+          <p:nvPr/>
+        </p:nvSpPr>
+        <p:spPr>
+          <a:xfrm>
+            <a:off x="610384" y="1737360"/>
+            <a:ext cx="476412" cy="646331"/>
+          </a:xfrm>
+          <a:prstGeom prst="rect">
+            <a:avLst/>
+          </a:prstGeom>
+          <a:noFill/>
+        </p:spPr>
+        <p:txBody>
+          <a:bodyPr wrap="none" rtlCol="0">
+            <a:spAutoFit/>
+          </a:bodyPr>
+          <a:lstStyle/>
+          <a:p>
+            <a:r>
+              <a:rPr lang="es-ES" sz="1200" dirty="0" smtClean="0"/>
+              <a:t>GND</a:t>
+            </a:r>
+          </a:p>
+          <a:p>
+            <a:endParaRPr lang="es-ES" sz="1200" dirty="0" smtClean="0"/>
+          </a:p>
+          <a:p>
+            <a:r>
+              <a:rPr lang="es-ES" sz="1200" dirty="0" smtClean="0"/>
+              <a:t>3V3</a:t>
+            </a:r>
+            <a:endParaRPr lang="es-ES" sz="1200" dirty="0"/>
+          </a:p>
+        </p:txBody>
+      </p:sp>
+      <p:sp>
+        <p:nvSpPr>
+          <p:cNvPr id="78" name="77 CuadroTexto"/>
+          <p:cNvSpPr txBox="1"/>
+          <p:nvPr/>
+        </p:nvSpPr>
+        <p:spPr>
+          <a:xfrm>
+            <a:off x="7020272" y="1700808"/>
+            <a:ext cx="912429" cy="261610"/>
+          </a:xfrm>
+          <a:prstGeom prst="rect">
+            <a:avLst/>
+          </a:prstGeom>
+          <a:noFill/>
+        </p:spPr>
+        <p:txBody>
+          <a:bodyPr wrap="none" rtlCol="0">
+            <a:spAutoFit/>
+          </a:bodyPr>
+          <a:lstStyle/>
+          <a:p>
+            <a:r>
+              <a:rPr lang="es-ES" sz="1100" dirty="0" smtClean="0"/>
+              <a:t>POWER_OFF</a:t>
+            </a:r>
+            <a:endParaRPr lang="es-ES" sz="1100" dirty="0"/>
+          </a:p>
+        </p:txBody>
+      </p:sp>
+      <p:sp>
+        <p:nvSpPr>
+          <p:cNvPr id="79" name="78 Rectángulo"/>
+          <p:cNvSpPr/>
+          <p:nvPr/>
+        </p:nvSpPr>
+        <p:spPr>
+          <a:xfrm>
+            <a:off x="6588224" y="1556792"/>
+            <a:ext cx="432048" cy="648072"/>
+          </a:xfrm>
+          <a:prstGeom prst="rect">
+            <a:avLst/>
+          </a:prstGeom>
+        </p:spPr>
+        <p:style>
+          <a:lnRef idx="2">
+            <a:schemeClr val="accent1">
+              <a:shade val="50000"/>
+            </a:schemeClr>
+          </a:lnRef>
+          <a:fillRef idx="1">
+            <a:schemeClr val="accent1"/>
+          </a:fillRef>
+          <a:effectRef idx="0">
+            <a:schemeClr val="accent1"/>
+          </a:effectRef>
+          <a:fontRef idx="minor">
+            <a:schemeClr val="lt1"/>
+          </a:fontRef>
+        </p:style>
+        <p:txBody>
+          <a:bodyPr rtlCol="0" anchor="ctr"/>
+          <a:lstStyle/>
+          <a:p>
+            <a:pPr algn="ctr"/>
+            <a:endParaRPr lang="es-ES"/>
+          </a:p>
+        </p:txBody>
+      </p:sp>
+      <p:sp>
+        <p:nvSpPr>
+          <p:cNvPr id="80" name="79 Rectángulo"/>
+          <p:cNvSpPr/>
+          <p:nvPr/>
+        </p:nvSpPr>
+        <p:spPr>
+          <a:xfrm>
+            <a:off x="6660232" y="1628800"/>
+            <a:ext cx="144016" cy="72008"/>
+          </a:xfrm>
+          <a:prstGeom prst="rect">
+            <a:avLst/>
+          </a:prstGeom>
+          <a:solidFill>
+            <a:schemeClr val="bg1"/>
+          </a:solidFill>
+          <a:ln>
+            <a:solidFill>
+              <a:schemeClr val="tx1"/>
+            </a:solidFill>
+          </a:ln>
+        </p:spPr>
+        <p:style>
+          <a:lnRef idx="2">
+            <a:schemeClr val="accent1">
+              <a:shade val="50000"/>
+            </a:schemeClr>
+          </a:lnRef>
+          <a:fillRef idx="1">
+            <a:schemeClr val="accent1"/>
+          </a:fillRef>
+          <a:effectRef idx="0">
+            <a:schemeClr val="accent1"/>
+          </a:effectRef>
+          <a:fontRef idx="minor">
+            <a:schemeClr val="lt1"/>
+          </a:fontRef>
+        </p:style>
+        <p:txBody>
+          <a:bodyPr rtlCol="0" anchor="ctr"/>
+          <a:lstStyle/>
+          <a:p>
+            <a:pPr algn="ctr"/>
+            <a:endParaRPr lang="es-ES"/>
+          </a:p>
+        </p:txBody>
+      </p:sp>
+      <p:sp>
+        <p:nvSpPr>
+          <p:cNvPr id="81" name="80 Rectángulo"/>
+          <p:cNvSpPr/>
+          <p:nvPr/>
+        </p:nvSpPr>
+        <p:spPr>
+          <a:xfrm>
+            <a:off x="6660232" y="1772816"/>
+            <a:ext cx="144016" cy="72008"/>
+          </a:xfrm>
+          <a:prstGeom prst="rect">
+            <a:avLst/>
+          </a:prstGeom>
+          <a:solidFill>
+            <a:schemeClr val="bg1"/>
+          </a:solidFill>
+          <a:ln>
+            <a:solidFill>
+              <a:schemeClr val="tx1"/>
+            </a:solidFill>
+          </a:ln>
+        </p:spPr>
+        <p:style>
+          <a:lnRef idx="2">
+            <a:schemeClr val="accent1">
+              <a:shade val="50000"/>
+            </a:schemeClr>
+          </a:lnRef>
+          <a:fillRef idx="1">
+            <a:schemeClr val="accent1"/>
+          </a:fillRef>
+          <a:effectRef idx="0">
+            <a:schemeClr val="accent1"/>
+          </a:effectRef>
+          <a:fontRef idx="minor">
+            <a:schemeClr val="lt1"/>
+          </a:fontRef>
+        </p:style>
+        <p:txBody>
+          <a:bodyPr rtlCol="0" anchor="ctr"/>
+          <a:lstStyle/>
+          <a:p>
+            <a:pPr algn="ctr"/>
+            <a:endParaRPr lang="es-ES"/>
+          </a:p>
+        </p:txBody>
+      </p:sp>
+      <p:sp>
+        <p:nvSpPr>
+          <p:cNvPr id="82" name="81 Rectángulo"/>
+          <p:cNvSpPr/>
+          <p:nvPr/>
+        </p:nvSpPr>
+        <p:spPr>
+          <a:xfrm>
+            <a:off x="6660232" y="1916832"/>
+            <a:ext cx="144016" cy="72008"/>
+          </a:xfrm>
+          <a:prstGeom prst="rect">
+            <a:avLst/>
+          </a:prstGeom>
+          <a:solidFill>
+            <a:schemeClr val="bg1"/>
+          </a:solidFill>
+          <a:ln>
+            <a:solidFill>
+              <a:schemeClr val="tx1"/>
+            </a:solidFill>
+          </a:ln>
+        </p:spPr>
+        <p:style>
+          <a:lnRef idx="2">
+            <a:schemeClr val="accent1">
+              <a:shade val="50000"/>
+            </a:schemeClr>
+          </a:lnRef>
+          <a:fillRef idx="1">
+            <a:schemeClr val="accent1"/>
+          </a:fillRef>
+          <a:effectRef idx="0">
+            <a:schemeClr val="accent1"/>
+          </a:effectRef>
+          <a:fontRef idx="minor">
+            <a:schemeClr val="lt1"/>
+          </a:fontRef>
+        </p:style>
+        <p:txBody>
+          <a:bodyPr rtlCol="0" anchor="ctr"/>
+          <a:lstStyle/>
+          <a:p>
+            <a:pPr algn="ctr"/>
+            <a:endParaRPr lang="es-ES"/>
+          </a:p>
+        </p:txBody>
+      </p:sp>
+      <p:sp>
+        <p:nvSpPr>
+          <p:cNvPr id="83" name="82 Rectángulo"/>
+          <p:cNvSpPr/>
+          <p:nvPr/>
+        </p:nvSpPr>
+        <p:spPr>
+          <a:xfrm>
+            <a:off x="6660232" y="2060848"/>
+            <a:ext cx="144016" cy="72008"/>
+          </a:xfrm>
+          <a:prstGeom prst="rect">
+            <a:avLst/>
+          </a:prstGeom>
+          <a:solidFill>
+            <a:schemeClr val="bg1"/>
+          </a:solidFill>
+          <a:ln>
+            <a:solidFill>
+              <a:schemeClr val="tx1"/>
+            </a:solidFill>
+          </a:ln>
+        </p:spPr>
+        <p:style>
+          <a:lnRef idx="2">
+            <a:schemeClr val="accent1">
+              <a:shade val="50000"/>
+            </a:schemeClr>
+          </a:lnRef>
+          <a:fillRef idx="1">
+            <a:schemeClr val="accent1"/>
+          </a:fillRef>
+          <a:effectRef idx="0">
+            <a:schemeClr val="accent1"/>
+          </a:effectRef>
+          <a:fontRef idx="minor">
+            <a:schemeClr val="lt1"/>
+          </a:fontRef>
+        </p:style>
+        <p:txBody>
+          <a:bodyPr rtlCol="0" anchor="ctr"/>
+          <a:lstStyle/>
+          <a:p>
+            <a:pPr algn="ctr"/>
+            <a:endParaRPr lang="es-ES"/>
+          </a:p>
+        </p:txBody>
+      </p:sp>
+      <p:sp>
+        <p:nvSpPr>
+          <p:cNvPr id="84" name="83 CuadroTexto"/>
+          <p:cNvSpPr txBox="1"/>
+          <p:nvPr/>
+        </p:nvSpPr>
+        <p:spPr>
+          <a:xfrm>
+            <a:off x="7020272" y="2492896"/>
+            <a:ext cx="1532792" cy="261610"/>
+          </a:xfrm>
+          <a:prstGeom prst="rect">
+            <a:avLst/>
+          </a:prstGeom>
+          <a:noFill/>
+        </p:spPr>
+        <p:txBody>
+          <a:bodyPr wrap="none" rtlCol="0">
+            <a:spAutoFit/>
+          </a:bodyPr>
+          <a:lstStyle/>
+          <a:p>
+            <a:r>
+              <a:rPr lang="es-ES" sz="1100" dirty="0" smtClean="0"/>
+              <a:t>PREPARE_FLASH_PROG</a:t>
+            </a:r>
+            <a:endParaRPr lang="es-ES" sz="1100" dirty="0"/>
+          </a:p>
+        </p:txBody>
+      </p:sp>
+      <p:sp>
+        <p:nvSpPr>
+          <p:cNvPr id="85" name="84 Rectángulo"/>
+          <p:cNvSpPr/>
+          <p:nvPr/>
+        </p:nvSpPr>
+        <p:spPr>
+          <a:xfrm>
+            <a:off x="6588224" y="2348880"/>
+            <a:ext cx="432048" cy="648072"/>
+          </a:xfrm>
+          <a:prstGeom prst="rect">
+            <a:avLst/>
+          </a:prstGeom>
+        </p:spPr>
+        <p:style>
+          <a:lnRef idx="2">
+            <a:schemeClr val="accent1">
+              <a:shade val="50000"/>
+            </a:schemeClr>
+          </a:lnRef>
+          <a:fillRef idx="1">
+            <a:schemeClr val="accent1"/>
+          </a:fillRef>
+          <a:effectRef idx="0">
+            <a:schemeClr val="accent1"/>
+          </a:effectRef>
+          <a:fontRef idx="minor">
+            <a:schemeClr val="lt1"/>
+          </a:fontRef>
+        </p:style>
+        <p:txBody>
+          <a:bodyPr rtlCol="0" anchor="ctr"/>
+          <a:lstStyle/>
+          <a:p>
+            <a:pPr algn="ctr"/>
+            <a:endParaRPr lang="es-ES"/>
+          </a:p>
+        </p:txBody>
+      </p:sp>
+      <p:sp>
+        <p:nvSpPr>
+          <p:cNvPr id="86" name="85 Rectángulo"/>
+          <p:cNvSpPr/>
+          <p:nvPr/>
+        </p:nvSpPr>
+        <p:spPr>
+          <a:xfrm>
+            <a:off x="6660232" y="2420888"/>
+            <a:ext cx="144016" cy="72008"/>
+          </a:xfrm>
+          <a:prstGeom prst="rect">
+            <a:avLst/>
+          </a:prstGeom>
+          <a:solidFill>
+            <a:schemeClr val="bg1"/>
+          </a:solidFill>
+          <a:ln>
+            <a:solidFill>
+              <a:schemeClr val="tx1"/>
+            </a:solidFill>
+          </a:ln>
+        </p:spPr>
+        <p:style>
+          <a:lnRef idx="2">
+            <a:schemeClr val="accent1">
+              <a:shade val="50000"/>
+            </a:schemeClr>
+          </a:lnRef>
+          <a:fillRef idx="1">
+            <a:schemeClr val="accent1"/>
+          </a:fillRef>
+          <a:effectRef idx="0">
+            <a:schemeClr val="accent1"/>
+          </a:effectRef>
+          <a:fontRef idx="minor">
+            <a:schemeClr val="lt1"/>
+          </a:fontRef>
+        </p:style>
+        <p:txBody>
+          <a:bodyPr rtlCol="0" anchor="ctr"/>
+          <a:lstStyle/>
+          <a:p>
+            <a:pPr algn="ctr"/>
+            <a:endParaRPr lang="es-ES"/>
+          </a:p>
+        </p:txBody>
+      </p:sp>
+      <p:sp>
+        <p:nvSpPr>
+          <p:cNvPr id="87" name="86 Rectángulo"/>
+          <p:cNvSpPr/>
+          <p:nvPr/>
+        </p:nvSpPr>
+        <p:spPr>
+          <a:xfrm>
+            <a:off x="6660232" y="2564904"/>
+            <a:ext cx="144016" cy="72008"/>
+          </a:xfrm>
+          <a:prstGeom prst="rect">
+            <a:avLst/>
+          </a:prstGeom>
+          <a:solidFill>
+            <a:schemeClr val="bg1"/>
+          </a:solidFill>
+          <a:ln>
+            <a:solidFill>
+              <a:schemeClr val="tx1"/>
+            </a:solidFill>
+          </a:ln>
+        </p:spPr>
+        <p:style>
+          <a:lnRef idx="2">
+            <a:schemeClr val="accent1">
+              <a:shade val="50000"/>
+            </a:schemeClr>
+          </a:lnRef>
+          <a:fillRef idx="1">
+            <a:schemeClr val="accent1"/>
+          </a:fillRef>
+          <a:effectRef idx="0">
+            <a:schemeClr val="accent1"/>
+          </a:effectRef>
+          <a:fontRef idx="minor">
+            <a:schemeClr val="lt1"/>
+          </a:fontRef>
+        </p:style>
+        <p:txBody>
+          <a:bodyPr rtlCol="0" anchor="ctr"/>
+          <a:lstStyle/>
+          <a:p>
+            <a:pPr algn="ctr"/>
+            <a:endParaRPr lang="es-ES"/>
+          </a:p>
+        </p:txBody>
+      </p:sp>
+      <p:sp>
+        <p:nvSpPr>
+          <p:cNvPr id="88" name="87 Rectángulo"/>
+          <p:cNvSpPr/>
+          <p:nvPr/>
+        </p:nvSpPr>
+        <p:spPr>
+          <a:xfrm>
+            <a:off x="6804248" y="2708920"/>
+            <a:ext cx="144016" cy="72008"/>
+          </a:xfrm>
+          <a:prstGeom prst="rect">
+            <a:avLst/>
+          </a:prstGeom>
+          <a:solidFill>
+            <a:schemeClr val="bg1"/>
+          </a:solidFill>
+          <a:ln>
+            <a:solidFill>
+              <a:schemeClr val="tx1"/>
+            </a:solidFill>
+          </a:ln>
+        </p:spPr>
+        <p:style>
+          <a:lnRef idx="2">
+            <a:schemeClr val="accent1">
+              <a:shade val="50000"/>
+            </a:schemeClr>
+          </a:lnRef>
+          <a:fillRef idx="1">
+            <a:schemeClr val="accent1"/>
+          </a:fillRef>
+          <a:effectRef idx="0">
+            <a:schemeClr val="accent1"/>
+          </a:effectRef>
+          <a:fontRef idx="minor">
+            <a:schemeClr val="lt1"/>
+          </a:fontRef>
+        </p:style>
+        <p:txBody>
+          <a:bodyPr rtlCol="0" anchor="ctr"/>
+          <a:lstStyle/>
+          <a:p>
+            <a:pPr algn="ctr"/>
+            <a:endParaRPr lang="es-ES"/>
+          </a:p>
+        </p:txBody>
+      </p:sp>
+      <p:sp>
+        <p:nvSpPr>
+          <p:cNvPr id="89" name="88 Rectángulo"/>
+          <p:cNvSpPr/>
+          <p:nvPr/>
+        </p:nvSpPr>
+        <p:spPr>
+          <a:xfrm>
+            <a:off x="6804248" y="2852936"/>
+            <a:ext cx="144016" cy="72008"/>
+          </a:xfrm>
+          <a:prstGeom prst="rect">
+            <a:avLst/>
+          </a:prstGeom>
+          <a:solidFill>
+            <a:schemeClr val="bg1"/>
+          </a:solidFill>
+          <a:ln>
+            <a:solidFill>
+              <a:schemeClr val="tx1"/>
+            </a:solidFill>
+          </a:ln>
+        </p:spPr>
+        <p:style>
+          <a:lnRef idx="2">
+            <a:schemeClr val="accent1">
+              <a:shade val="50000"/>
+            </a:schemeClr>
+          </a:lnRef>
+          <a:fillRef idx="1">
+            <a:schemeClr val="accent1"/>
+          </a:fillRef>
+          <a:effectRef idx="0">
+            <a:schemeClr val="accent1"/>
+          </a:effectRef>
+          <a:fontRef idx="minor">
+            <a:schemeClr val="lt1"/>
+          </a:fontRef>
+        </p:style>
+        <p:txBody>
+          <a:bodyPr rtlCol="0" anchor="ctr"/>
+          <a:lstStyle/>
+          <a:p>
+            <a:pPr algn="ctr"/>
+            <a:endParaRPr lang="es-ES"/>
+          </a:p>
+        </p:txBody>
+      </p:sp>
+      <p:sp>
+        <p:nvSpPr>
+          <p:cNvPr id="90" name="89 CuadroTexto"/>
+          <p:cNvSpPr txBox="1"/>
+          <p:nvPr/>
+        </p:nvSpPr>
+        <p:spPr>
+          <a:xfrm>
+            <a:off x="7020272" y="3284984"/>
+            <a:ext cx="1128835" cy="261610"/>
+          </a:xfrm>
+          <a:prstGeom prst="rect">
+            <a:avLst/>
+          </a:prstGeom>
+          <a:noFill/>
+        </p:spPr>
+        <p:txBody>
+          <a:bodyPr wrap="none" rtlCol="0">
+            <a:spAutoFit/>
+          </a:bodyPr>
+          <a:lstStyle/>
+          <a:p>
+            <a:r>
+              <a:rPr lang="es-ES" sz="1100" dirty="0" smtClean="0"/>
+              <a:t>POWER &amp; RESET</a:t>
+            </a:r>
+            <a:endParaRPr lang="es-ES" sz="1100" dirty="0"/>
+          </a:p>
+        </p:txBody>
+      </p:sp>
+      <p:sp>
+        <p:nvSpPr>
+          <p:cNvPr id="91" name="90 Rectángulo"/>
+          <p:cNvSpPr/>
+          <p:nvPr/>
+        </p:nvSpPr>
+        <p:spPr>
+          <a:xfrm>
+            <a:off x="6588224" y="3140968"/>
+            <a:ext cx="432048" cy="648072"/>
+          </a:xfrm>
+          <a:prstGeom prst="rect">
+            <a:avLst/>
+          </a:prstGeom>
+        </p:spPr>
+        <p:style>
+          <a:lnRef idx="2">
+            <a:schemeClr val="accent1">
+              <a:shade val="50000"/>
+            </a:schemeClr>
+          </a:lnRef>
+          <a:fillRef idx="1">
+            <a:schemeClr val="accent1"/>
+          </a:fillRef>
+          <a:effectRef idx="0">
+            <a:schemeClr val="accent1"/>
+          </a:effectRef>
+          <a:fontRef idx="minor">
+            <a:schemeClr val="lt1"/>
+          </a:fontRef>
+        </p:style>
+        <p:txBody>
+          <a:bodyPr rtlCol="0" anchor="ctr"/>
+          <a:lstStyle/>
+          <a:p>
+            <a:pPr algn="ctr"/>
+            <a:endParaRPr lang="es-ES"/>
+          </a:p>
+        </p:txBody>
+      </p:sp>
+      <p:sp>
+        <p:nvSpPr>
+          <p:cNvPr id="92" name="91 Rectángulo"/>
+          <p:cNvSpPr/>
+          <p:nvPr/>
+        </p:nvSpPr>
+        <p:spPr>
+          <a:xfrm>
+            <a:off x="6804248" y="3212976"/>
+            <a:ext cx="144016" cy="72008"/>
+          </a:xfrm>
+          <a:prstGeom prst="rect">
+            <a:avLst/>
+          </a:prstGeom>
+          <a:solidFill>
+            <a:schemeClr val="bg1"/>
+          </a:solidFill>
+          <a:ln>
+            <a:solidFill>
+              <a:schemeClr val="tx1"/>
+            </a:solidFill>
+          </a:ln>
+        </p:spPr>
+        <p:style>
+          <a:lnRef idx="2">
+            <a:schemeClr val="accent1">
+              <a:shade val="50000"/>
+            </a:schemeClr>
+          </a:lnRef>
+          <a:fillRef idx="1">
+            <a:schemeClr val="accent1"/>
+          </a:fillRef>
+          <a:effectRef idx="0">
+            <a:schemeClr val="accent1"/>
+          </a:effectRef>
+          <a:fontRef idx="minor">
+            <a:schemeClr val="lt1"/>
+          </a:fontRef>
+        </p:style>
+        <p:txBody>
+          <a:bodyPr rtlCol="0" anchor="ctr"/>
+          <a:lstStyle/>
+          <a:p>
+            <a:pPr algn="ctr"/>
+            <a:endParaRPr lang="es-ES"/>
+          </a:p>
+        </p:txBody>
+      </p:sp>
+      <p:sp>
+        <p:nvSpPr>
+          <p:cNvPr id="93" name="92 Rectángulo"/>
+          <p:cNvSpPr/>
+          <p:nvPr/>
+        </p:nvSpPr>
+        <p:spPr>
+          <a:xfrm>
+            <a:off x="6660232" y="3356992"/>
+            <a:ext cx="144016" cy="72008"/>
+          </a:xfrm>
+          <a:prstGeom prst="rect">
+            <a:avLst/>
+          </a:prstGeom>
+          <a:solidFill>
+            <a:schemeClr val="bg1"/>
+          </a:solidFill>
+          <a:ln>
+            <a:solidFill>
+              <a:schemeClr val="tx1"/>
+            </a:solidFill>
+          </a:ln>
+        </p:spPr>
+        <p:style>
+          <a:lnRef idx="2">
+            <a:schemeClr val="accent1">
+              <a:shade val="50000"/>
+            </a:schemeClr>
+          </a:lnRef>
+          <a:fillRef idx="1">
+            <a:schemeClr val="accent1"/>
+          </a:fillRef>
+          <a:effectRef idx="0">
+            <a:schemeClr val="accent1"/>
+          </a:effectRef>
+          <a:fontRef idx="minor">
+            <a:schemeClr val="lt1"/>
+          </a:fontRef>
+        </p:style>
+        <p:txBody>
+          <a:bodyPr rtlCol="0" anchor="ctr"/>
+          <a:lstStyle/>
+          <a:p>
+            <a:pPr algn="ctr"/>
+            <a:endParaRPr lang="es-ES"/>
+          </a:p>
+        </p:txBody>
+      </p:sp>
+      <p:sp>
+        <p:nvSpPr>
+          <p:cNvPr id="94" name="93 Rectángulo"/>
+          <p:cNvSpPr/>
+          <p:nvPr/>
+        </p:nvSpPr>
+        <p:spPr>
+          <a:xfrm>
+            <a:off x="6804248" y="3501008"/>
+            <a:ext cx="144016" cy="72008"/>
+          </a:xfrm>
+          <a:prstGeom prst="rect">
+            <a:avLst/>
+          </a:prstGeom>
+          <a:solidFill>
+            <a:schemeClr val="bg1"/>
+          </a:solidFill>
+          <a:ln>
+            <a:solidFill>
+              <a:schemeClr val="tx1"/>
+            </a:solidFill>
+          </a:ln>
+        </p:spPr>
+        <p:style>
+          <a:lnRef idx="2">
+            <a:schemeClr val="accent1">
+              <a:shade val="50000"/>
+            </a:schemeClr>
+          </a:lnRef>
+          <a:fillRef idx="1">
+            <a:schemeClr val="accent1"/>
+          </a:fillRef>
+          <a:effectRef idx="0">
+            <a:schemeClr val="accent1"/>
+          </a:effectRef>
+          <a:fontRef idx="minor">
+            <a:schemeClr val="lt1"/>
+          </a:fontRef>
+        </p:style>
+        <p:txBody>
+          <a:bodyPr rtlCol="0" anchor="ctr"/>
+          <a:lstStyle/>
+          <a:p>
+            <a:pPr algn="ctr"/>
+            <a:endParaRPr lang="es-ES"/>
+          </a:p>
+        </p:txBody>
+      </p:sp>
+      <p:sp>
+        <p:nvSpPr>
+          <p:cNvPr id="95" name="94 Rectángulo"/>
+          <p:cNvSpPr/>
+          <p:nvPr/>
+        </p:nvSpPr>
+        <p:spPr>
+          <a:xfrm>
+            <a:off x="6804248" y="3645024"/>
+            <a:ext cx="144016" cy="72008"/>
+          </a:xfrm>
+          <a:prstGeom prst="rect">
+            <a:avLst/>
+          </a:prstGeom>
+          <a:solidFill>
+            <a:schemeClr val="bg1"/>
+          </a:solidFill>
+          <a:ln>
+            <a:solidFill>
+              <a:schemeClr val="tx1"/>
+            </a:solidFill>
+          </a:ln>
+        </p:spPr>
+        <p:style>
+          <a:lnRef idx="2">
+            <a:schemeClr val="accent1">
+              <a:shade val="50000"/>
+            </a:schemeClr>
+          </a:lnRef>
+          <a:fillRef idx="1">
+            <a:schemeClr val="accent1"/>
+          </a:fillRef>
+          <a:effectRef idx="0">
+            <a:schemeClr val="accent1"/>
+          </a:effectRef>
+          <a:fontRef idx="minor">
+            <a:schemeClr val="lt1"/>
+          </a:fontRef>
+        </p:style>
+        <p:txBody>
+          <a:bodyPr rtlCol="0" anchor="ctr"/>
+          <a:lstStyle/>
+          <a:p>
+            <a:pPr algn="ctr"/>
+            <a:endParaRPr lang="es-ES"/>
+          </a:p>
+        </p:txBody>
+      </p:sp>
+      <p:sp>
+        <p:nvSpPr>
+          <p:cNvPr id="96" name="95 CuadroTexto"/>
+          <p:cNvSpPr txBox="1"/>
+          <p:nvPr/>
+        </p:nvSpPr>
+        <p:spPr>
+          <a:xfrm>
+            <a:off x="7020272" y="4077072"/>
+            <a:ext cx="1587294" cy="261610"/>
+          </a:xfrm>
+          <a:prstGeom prst="rect">
+            <a:avLst/>
+          </a:prstGeom>
+          <a:noFill/>
+        </p:spPr>
+        <p:txBody>
+          <a:bodyPr wrap="none" rtlCol="0">
+            <a:spAutoFit/>
+          </a:bodyPr>
+          <a:lstStyle/>
+          <a:p>
+            <a:r>
+              <a:rPr lang="es-ES" sz="1100" dirty="0" smtClean="0"/>
+              <a:t>READY FOR FLASH PROG</a:t>
+            </a:r>
+            <a:endParaRPr lang="es-ES" sz="1100" dirty="0"/>
+          </a:p>
+        </p:txBody>
+      </p:sp>
+      <p:sp>
+        <p:nvSpPr>
+          <p:cNvPr id="97" name="96 Rectángulo"/>
+          <p:cNvSpPr/>
+          <p:nvPr/>
+        </p:nvSpPr>
+        <p:spPr>
+          <a:xfrm>
+            <a:off x="6588224" y="3933056"/>
+            <a:ext cx="432048" cy="648072"/>
+          </a:xfrm>
+          <a:prstGeom prst="rect">
+            <a:avLst/>
+          </a:prstGeom>
+        </p:spPr>
+        <p:style>
+          <a:lnRef idx="2">
+            <a:schemeClr val="accent1">
+              <a:shade val="50000"/>
+            </a:schemeClr>
+          </a:lnRef>
+          <a:fillRef idx="1">
+            <a:schemeClr val="accent1"/>
+          </a:fillRef>
+          <a:effectRef idx="0">
+            <a:schemeClr val="accent1"/>
+          </a:effectRef>
+          <a:fontRef idx="minor">
+            <a:schemeClr val="lt1"/>
+          </a:fontRef>
+        </p:style>
+        <p:txBody>
+          <a:bodyPr rtlCol="0" anchor="ctr"/>
+          <a:lstStyle/>
+          <a:p>
+            <a:pPr algn="ctr"/>
+            <a:endParaRPr lang="es-ES"/>
+          </a:p>
+        </p:txBody>
+      </p:sp>
+      <p:sp>
+        <p:nvSpPr>
+          <p:cNvPr id="98" name="97 Rectángulo"/>
+          <p:cNvSpPr/>
+          <p:nvPr/>
+        </p:nvSpPr>
+        <p:spPr>
+          <a:xfrm>
+            <a:off x="6804248" y="4005064"/>
+            <a:ext cx="144016" cy="72008"/>
+          </a:xfrm>
+          <a:prstGeom prst="rect">
+            <a:avLst/>
+          </a:prstGeom>
+          <a:solidFill>
+            <a:schemeClr val="bg1"/>
+          </a:solidFill>
+          <a:ln>
+            <a:solidFill>
+              <a:schemeClr val="tx1"/>
+            </a:solidFill>
+          </a:ln>
+        </p:spPr>
+        <p:style>
+          <a:lnRef idx="2">
+            <a:schemeClr val="accent1">
+              <a:shade val="50000"/>
+            </a:schemeClr>
+          </a:lnRef>
+          <a:fillRef idx="1">
+            <a:schemeClr val="accent1"/>
+          </a:fillRef>
+          <a:effectRef idx="0">
+            <a:schemeClr val="accent1"/>
+          </a:effectRef>
+          <a:fontRef idx="minor">
+            <a:schemeClr val="lt1"/>
+          </a:fontRef>
+        </p:style>
+        <p:txBody>
+          <a:bodyPr rtlCol="0" anchor="ctr"/>
+          <a:lstStyle/>
+          <a:p>
+            <a:pPr algn="ctr"/>
+            <a:endParaRPr lang="es-ES"/>
+          </a:p>
+        </p:txBody>
+      </p:sp>
+      <p:sp>
+        <p:nvSpPr>
+          <p:cNvPr id="99" name="98 Rectángulo"/>
+          <p:cNvSpPr/>
+          <p:nvPr/>
+        </p:nvSpPr>
+        <p:spPr>
+          <a:xfrm>
+            <a:off x="6804248" y="4149080"/>
+            <a:ext cx="144016" cy="72008"/>
+          </a:xfrm>
+          <a:prstGeom prst="rect">
+            <a:avLst/>
+          </a:prstGeom>
+          <a:solidFill>
+            <a:schemeClr val="bg1"/>
+          </a:solidFill>
+          <a:ln>
+            <a:solidFill>
+              <a:schemeClr val="tx1"/>
+            </a:solidFill>
+          </a:ln>
+        </p:spPr>
+        <p:style>
+          <a:lnRef idx="2">
+            <a:schemeClr val="accent1">
+              <a:shade val="50000"/>
+            </a:schemeClr>
+          </a:lnRef>
+          <a:fillRef idx="1">
+            <a:schemeClr val="accent1"/>
+          </a:fillRef>
+          <a:effectRef idx="0">
+            <a:schemeClr val="accent1"/>
+          </a:effectRef>
+          <a:fontRef idx="minor">
+            <a:schemeClr val="lt1"/>
+          </a:fontRef>
+        </p:style>
+        <p:txBody>
+          <a:bodyPr rtlCol="0" anchor="ctr"/>
+          <a:lstStyle/>
+          <a:p>
+            <a:pPr algn="ctr"/>
+            <a:endParaRPr lang="es-ES"/>
+          </a:p>
+        </p:txBody>
+      </p:sp>
+      <p:sp>
+        <p:nvSpPr>
+          <p:cNvPr id="100" name="99 Rectángulo"/>
+          <p:cNvSpPr/>
+          <p:nvPr/>
+        </p:nvSpPr>
+        <p:spPr>
+          <a:xfrm>
+            <a:off x="6804248" y="4293096"/>
+            <a:ext cx="144016" cy="72008"/>
+          </a:xfrm>
+          <a:prstGeom prst="rect">
+            <a:avLst/>
+          </a:prstGeom>
+          <a:solidFill>
+            <a:schemeClr val="bg1"/>
+          </a:solidFill>
+          <a:ln>
+            <a:solidFill>
+              <a:schemeClr val="tx1"/>
+            </a:solidFill>
+          </a:ln>
+        </p:spPr>
+        <p:style>
+          <a:lnRef idx="2">
+            <a:schemeClr val="accent1">
+              <a:shade val="50000"/>
+            </a:schemeClr>
+          </a:lnRef>
+          <a:fillRef idx="1">
+            <a:schemeClr val="accent1"/>
+          </a:fillRef>
+          <a:effectRef idx="0">
+            <a:schemeClr val="accent1"/>
+          </a:effectRef>
+          <a:fontRef idx="minor">
+            <a:schemeClr val="lt1"/>
+          </a:fontRef>
+        </p:style>
+        <p:txBody>
+          <a:bodyPr rtlCol="0" anchor="ctr"/>
+          <a:lstStyle/>
+          <a:p>
+            <a:pPr algn="ctr"/>
+            <a:endParaRPr lang="es-ES"/>
+          </a:p>
+        </p:txBody>
+      </p:sp>
+      <p:sp>
+        <p:nvSpPr>
+          <p:cNvPr id="101" name="100 Rectángulo"/>
+          <p:cNvSpPr/>
+          <p:nvPr/>
+        </p:nvSpPr>
+        <p:spPr>
+          <a:xfrm>
+            <a:off x="6804248" y="4437112"/>
+            <a:ext cx="144016" cy="72008"/>
+          </a:xfrm>
+          <a:prstGeom prst="rect">
+            <a:avLst/>
+          </a:prstGeom>
+          <a:solidFill>
+            <a:schemeClr val="bg1"/>
+          </a:solidFill>
+          <a:ln>
+            <a:solidFill>
+              <a:schemeClr val="tx1"/>
+            </a:solidFill>
+          </a:ln>
+        </p:spPr>
+        <p:style>
+          <a:lnRef idx="2">
+            <a:schemeClr val="accent1">
+              <a:shade val="50000"/>
+            </a:schemeClr>
+          </a:lnRef>
+          <a:fillRef idx="1">
+            <a:schemeClr val="accent1"/>
+          </a:fillRef>
+          <a:effectRef idx="0">
+            <a:schemeClr val="accent1"/>
+          </a:effectRef>
+          <a:fontRef idx="minor">
+            <a:schemeClr val="lt1"/>
+          </a:fontRef>
+        </p:style>
+        <p:txBody>
+          <a:bodyPr rtlCol="0" anchor="ctr"/>
+          <a:lstStyle/>
+          <a:p>
+            <a:pPr algn="ctr"/>
+            <a:endParaRPr lang="es-ES"/>
+          </a:p>
+        </p:txBody>
+      </p:sp>
+      <p:sp>
+        <p:nvSpPr>
+          <p:cNvPr id="102" name="101 CuadroTexto"/>
+          <p:cNvSpPr txBox="1"/>
+          <p:nvPr/>
+        </p:nvSpPr>
+        <p:spPr>
+          <a:xfrm>
+            <a:off x="7020272" y="4869160"/>
+            <a:ext cx="1000595" cy="261610"/>
+          </a:xfrm>
+          <a:prstGeom prst="rect">
+            <a:avLst/>
+          </a:prstGeom>
+          <a:noFill/>
+        </p:spPr>
+        <p:txBody>
+          <a:bodyPr wrap="none" rtlCol="0">
+            <a:spAutoFit/>
+          </a:bodyPr>
+          <a:lstStyle/>
+          <a:p>
+            <a:r>
+              <a:rPr lang="es-ES" sz="1100" dirty="0" smtClean="0"/>
+              <a:t>POWER CYCLE</a:t>
+            </a:r>
+            <a:endParaRPr lang="es-ES" sz="1100" dirty="0"/>
+          </a:p>
+        </p:txBody>
+      </p:sp>
+      <p:sp>
+        <p:nvSpPr>
+          <p:cNvPr id="103" name="102 Rectángulo"/>
+          <p:cNvSpPr/>
+          <p:nvPr/>
+        </p:nvSpPr>
+        <p:spPr>
+          <a:xfrm>
+            <a:off x="6588224" y="4725144"/>
+            <a:ext cx="432048" cy="648072"/>
+          </a:xfrm>
+          <a:prstGeom prst="rect">
+            <a:avLst/>
+          </a:prstGeom>
+        </p:spPr>
+        <p:style>
+          <a:lnRef idx="2">
+            <a:schemeClr val="accent1">
+              <a:shade val="50000"/>
+            </a:schemeClr>
+          </a:lnRef>
+          <a:fillRef idx="1">
+            <a:schemeClr val="accent1"/>
+          </a:fillRef>
+          <a:effectRef idx="0">
+            <a:schemeClr val="accent1"/>
+          </a:effectRef>
+          <a:fontRef idx="minor">
+            <a:schemeClr val="lt1"/>
+          </a:fontRef>
+        </p:style>
+        <p:txBody>
+          <a:bodyPr rtlCol="0" anchor="ctr"/>
+          <a:lstStyle/>
+          <a:p>
+            <a:pPr algn="ctr"/>
+            <a:endParaRPr lang="es-ES"/>
+          </a:p>
+        </p:txBody>
+      </p:sp>
+      <p:sp>
+        <p:nvSpPr>
+          <p:cNvPr id="104" name="103 Rectángulo"/>
+          <p:cNvSpPr/>
+          <p:nvPr/>
+        </p:nvSpPr>
+        <p:spPr>
+          <a:xfrm>
+            <a:off x="6660232" y="4797152"/>
+            <a:ext cx="144016" cy="72008"/>
+          </a:xfrm>
+          <a:prstGeom prst="rect">
+            <a:avLst/>
+          </a:prstGeom>
+          <a:solidFill>
+            <a:schemeClr val="bg1"/>
+          </a:solidFill>
+          <a:ln>
+            <a:solidFill>
+              <a:schemeClr val="tx1"/>
+            </a:solidFill>
+          </a:ln>
+        </p:spPr>
+        <p:style>
+          <a:lnRef idx="2">
+            <a:schemeClr val="accent1">
+              <a:shade val="50000"/>
+            </a:schemeClr>
+          </a:lnRef>
+          <a:fillRef idx="1">
+            <a:schemeClr val="accent1"/>
+          </a:fillRef>
+          <a:effectRef idx="0">
+            <a:schemeClr val="accent1"/>
+          </a:effectRef>
+          <a:fontRef idx="minor">
+            <a:schemeClr val="lt1"/>
+          </a:fontRef>
+        </p:style>
+        <p:txBody>
+          <a:bodyPr rtlCol="0" anchor="ctr"/>
+          <a:lstStyle/>
+          <a:p>
+            <a:pPr algn="ctr"/>
+            <a:endParaRPr lang="es-ES"/>
+          </a:p>
+        </p:txBody>
+      </p:sp>
+      <p:sp>
+        <p:nvSpPr>
+          <p:cNvPr id="105" name="104 Rectángulo"/>
+          <p:cNvSpPr/>
+          <p:nvPr/>
+        </p:nvSpPr>
+        <p:spPr>
+          <a:xfrm>
+            <a:off x="6660232" y="4941168"/>
+            <a:ext cx="144016" cy="72008"/>
+          </a:xfrm>
+          <a:prstGeom prst="rect">
+            <a:avLst/>
+          </a:prstGeom>
+          <a:solidFill>
+            <a:schemeClr val="bg1"/>
+          </a:solidFill>
+          <a:ln>
+            <a:solidFill>
+              <a:schemeClr val="tx1"/>
+            </a:solidFill>
+          </a:ln>
+        </p:spPr>
+        <p:style>
+          <a:lnRef idx="2">
+            <a:schemeClr val="accent1">
+              <a:shade val="50000"/>
+            </a:schemeClr>
+          </a:lnRef>
+          <a:fillRef idx="1">
+            <a:schemeClr val="accent1"/>
+          </a:fillRef>
+          <a:effectRef idx="0">
+            <a:schemeClr val="accent1"/>
+          </a:effectRef>
+          <a:fontRef idx="minor">
+            <a:schemeClr val="lt1"/>
+          </a:fontRef>
+        </p:style>
+        <p:txBody>
+          <a:bodyPr rtlCol="0" anchor="ctr"/>
+          <a:lstStyle/>
+          <a:p>
+            <a:pPr algn="ctr"/>
+            <a:endParaRPr lang="es-ES"/>
+          </a:p>
+        </p:txBody>
+      </p:sp>
+      <p:sp>
+        <p:nvSpPr>
+          <p:cNvPr id="106" name="105 Rectángulo"/>
+          <p:cNvSpPr/>
+          <p:nvPr/>
+        </p:nvSpPr>
+        <p:spPr>
+          <a:xfrm>
+            <a:off x="6660232" y="5085184"/>
+            <a:ext cx="144016" cy="72008"/>
+          </a:xfrm>
+          <a:prstGeom prst="rect">
+            <a:avLst/>
+          </a:prstGeom>
+          <a:solidFill>
+            <a:schemeClr val="bg1"/>
+          </a:solidFill>
+          <a:ln>
+            <a:solidFill>
+              <a:schemeClr val="tx1"/>
+            </a:solidFill>
+          </a:ln>
+        </p:spPr>
+        <p:style>
+          <a:lnRef idx="2">
+            <a:schemeClr val="accent1">
+              <a:shade val="50000"/>
+            </a:schemeClr>
+          </a:lnRef>
+          <a:fillRef idx="1">
+            <a:schemeClr val="accent1"/>
+          </a:fillRef>
+          <a:effectRef idx="0">
+            <a:schemeClr val="accent1"/>
+          </a:effectRef>
+          <a:fontRef idx="minor">
+            <a:schemeClr val="lt1"/>
+          </a:fontRef>
+        </p:style>
+        <p:txBody>
+          <a:bodyPr rtlCol="0" anchor="ctr"/>
+          <a:lstStyle/>
+          <a:p>
+            <a:pPr algn="ctr"/>
+            <a:endParaRPr lang="es-ES"/>
+          </a:p>
+        </p:txBody>
+      </p:sp>
+      <p:sp>
+        <p:nvSpPr>
+          <p:cNvPr id="107" name="106 Rectángulo"/>
+          <p:cNvSpPr/>
+          <p:nvPr/>
+        </p:nvSpPr>
+        <p:spPr>
+          <a:xfrm>
+            <a:off x="6660232" y="5229200"/>
+            <a:ext cx="144016" cy="72008"/>
+          </a:xfrm>
+          <a:prstGeom prst="rect">
+            <a:avLst/>
+          </a:prstGeom>
+          <a:solidFill>
+            <a:schemeClr val="bg1"/>
+          </a:solidFill>
+          <a:ln>
+            <a:solidFill>
+              <a:schemeClr val="tx1"/>
+            </a:solidFill>
+          </a:ln>
+        </p:spPr>
+        <p:style>
+          <a:lnRef idx="2">
+            <a:schemeClr val="accent1">
+              <a:shade val="50000"/>
+            </a:schemeClr>
+          </a:lnRef>
+          <a:fillRef idx="1">
+            <a:schemeClr val="accent1"/>
+          </a:fillRef>
+          <a:effectRef idx="0">
+            <a:schemeClr val="accent1"/>
+          </a:effectRef>
+          <a:fontRef idx="minor">
+            <a:schemeClr val="lt1"/>
+          </a:fontRef>
+        </p:style>
+        <p:txBody>
+          <a:bodyPr rtlCol="0" anchor="ctr"/>
+          <a:lstStyle/>
+          <a:p>
+            <a:pPr algn="ctr"/>
+            <a:endParaRPr lang="es-ES"/>
+          </a:p>
+        </p:txBody>
+      </p:sp>
+      <p:sp>
+        <p:nvSpPr>
+          <p:cNvPr id="108" name="107 CuadroTexto"/>
+          <p:cNvSpPr txBox="1"/>
+          <p:nvPr/>
+        </p:nvSpPr>
+        <p:spPr>
+          <a:xfrm>
+            <a:off x="7020272" y="5661248"/>
+            <a:ext cx="1343638" cy="261610"/>
+          </a:xfrm>
+          <a:prstGeom prst="rect">
+            <a:avLst/>
+          </a:prstGeom>
+          <a:noFill/>
+        </p:spPr>
+        <p:txBody>
+          <a:bodyPr wrap="none" rtlCol="0">
+            <a:spAutoFit/>
+          </a:bodyPr>
+          <a:lstStyle/>
+          <a:p>
+            <a:r>
+              <a:rPr lang="es-ES" sz="1100" dirty="0" smtClean="0"/>
+              <a:t>START APPLICATION</a:t>
+            </a:r>
+            <a:endParaRPr lang="es-ES" sz="1100" dirty="0"/>
+          </a:p>
+        </p:txBody>
+      </p:sp>
+      <p:sp>
+        <p:nvSpPr>
+          <p:cNvPr id="109" name="108 Rectángulo"/>
+          <p:cNvSpPr/>
+          <p:nvPr/>
+        </p:nvSpPr>
+        <p:spPr>
+          <a:xfrm>
+            <a:off x="6588224" y="5517232"/>
+            <a:ext cx="432048" cy="648072"/>
+          </a:xfrm>
+          <a:prstGeom prst="rect">
+            <a:avLst/>
+          </a:prstGeom>
+        </p:spPr>
+        <p:style>
+          <a:lnRef idx="2">
+            <a:schemeClr val="accent1">
+              <a:shade val="50000"/>
+            </a:schemeClr>
+          </a:lnRef>
+          <a:fillRef idx="1">
+            <a:schemeClr val="accent1"/>
+          </a:fillRef>
+          <a:effectRef idx="0">
+            <a:schemeClr val="accent1"/>
+          </a:effectRef>
+          <a:fontRef idx="minor">
+            <a:schemeClr val="lt1"/>
+          </a:fontRef>
+        </p:style>
+        <p:txBody>
+          <a:bodyPr rtlCol="0" anchor="ctr"/>
+          <a:lstStyle/>
+          <a:p>
+            <a:pPr algn="ctr"/>
+            <a:endParaRPr lang="es-ES"/>
+          </a:p>
+        </p:txBody>
+      </p:sp>
+      <p:sp>
+        <p:nvSpPr>
+          <p:cNvPr id="110" name="109 Rectángulo"/>
+          <p:cNvSpPr/>
+          <p:nvPr/>
+        </p:nvSpPr>
+        <p:spPr>
+          <a:xfrm>
+            <a:off x="6804248" y="5589240"/>
+            <a:ext cx="144016" cy="72008"/>
+          </a:xfrm>
+          <a:prstGeom prst="rect">
+            <a:avLst/>
+          </a:prstGeom>
+          <a:solidFill>
+            <a:schemeClr val="bg1"/>
+          </a:solidFill>
+          <a:ln>
+            <a:solidFill>
+              <a:schemeClr val="tx1"/>
+            </a:solidFill>
+          </a:ln>
+        </p:spPr>
+        <p:style>
+          <a:lnRef idx="2">
+            <a:schemeClr val="accent1">
+              <a:shade val="50000"/>
+            </a:schemeClr>
+          </a:lnRef>
+          <a:fillRef idx="1">
+            <a:schemeClr val="accent1"/>
+          </a:fillRef>
+          <a:effectRef idx="0">
+            <a:schemeClr val="accent1"/>
+          </a:effectRef>
+          <a:fontRef idx="minor">
+            <a:schemeClr val="lt1"/>
+          </a:fontRef>
+        </p:style>
+        <p:txBody>
+          <a:bodyPr rtlCol="0" anchor="ctr"/>
+          <a:lstStyle/>
+          <a:p>
+            <a:pPr algn="ctr"/>
+            <a:endParaRPr lang="es-ES"/>
+          </a:p>
+        </p:txBody>
+      </p:sp>
+      <p:sp>
+        <p:nvSpPr>
+          <p:cNvPr id="111" name="110 Rectángulo"/>
+          <p:cNvSpPr/>
+          <p:nvPr/>
+        </p:nvSpPr>
+        <p:spPr>
+          <a:xfrm>
+            <a:off x="6804248" y="5733256"/>
+            <a:ext cx="144016" cy="72008"/>
+          </a:xfrm>
+          <a:prstGeom prst="rect">
+            <a:avLst/>
+          </a:prstGeom>
+          <a:solidFill>
+            <a:schemeClr val="bg1"/>
+          </a:solidFill>
+          <a:ln>
+            <a:solidFill>
+              <a:schemeClr val="tx1"/>
+            </a:solidFill>
+          </a:ln>
+        </p:spPr>
+        <p:style>
+          <a:lnRef idx="2">
+            <a:schemeClr val="accent1">
+              <a:shade val="50000"/>
+            </a:schemeClr>
+          </a:lnRef>
+          <a:fillRef idx="1">
+            <a:schemeClr val="accent1"/>
+          </a:fillRef>
+          <a:effectRef idx="0">
+            <a:schemeClr val="accent1"/>
+          </a:effectRef>
+          <a:fontRef idx="minor">
+            <a:schemeClr val="lt1"/>
+          </a:fontRef>
+        </p:style>
+        <p:txBody>
+          <a:bodyPr rtlCol="0" anchor="ctr"/>
+          <a:lstStyle/>
+          <a:p>
+            <a:pPr algn="ctr"/>
+            <a:endParaRPr lang="es-ES"/>
+          </a:p>
+        </p:txBody>
+      </p:sp>
+      <p:sp>
+        <p:nvSpPr>
+          <p:cNvPr id="112" name="111 Rectángulo"/>
+          <p:cNvSpPr/>
+          <p:nvPr/>
+        </p:nvSpPr>
+        <p:spPr>
+          <a:xfrm>
+            <a:off x="6660232" y="5877272"/>
+            <a:ext cx="144016" cy="72008"/>
+          </a:xfrm>
+          <a:prstGeom prst="rect">
+            <a:avLst/>
+          </a:prstGeom>
+          <a:solidFill>
+            <a:schemeClr val="bg1"/>
+          </a:solidFill>
+          <a:ln>
+            <a:solidFill>
+              <a:schemeClr val="tx1"/>
+            </a:solidFill>
+          </a:ln>
+        </p:spPr>
+        <p:style>
+          <a:lnRef idx="2">
+            <a:schemeClr val="accent1">
+              <a:shade val="50000"/>
+            </a:schemeClr>
+          </a:lnRef>
+          <a:fillRef idx="1">
+            <a:schemeClr val="accent1"/>
+          </a:fillRef>
+          <a:effectRef idx="0">
+            <a:schemeClr val="accent1"/>
+          </a:effectRef>
+          <a:fontRef idx="minor">
+            <a:schemeClr val="lt1"/>
+          </a:fontRef>
+        </p:style>
+        <p:txBody>
+          <a:bodyPr rtlCol="0" anchor="ctr"/>
+          <a:lstStyle/>
+          <a:p>
+            <a:pPr algn="ctr"/>
+            <a:endParaRPr lang="es-ES"/>
+          </a:p>
+        </p:txBody>
+      </p:sp>
+      <p:sp>
+        <p:nvSpPr>
+          <p:cNvPr id="113" name="112 Rectángulo"/>
+          <p:cNvSpPr/>
+          <p:nvPr/>
+        </p:nvSpPr>
+        <p:spPr>
+          <a:xfrm>
+            <a:off x="6660232" y="6021288"/>
+            <a:ext cx="144016" cy="72008"/>
+          </a:xfrm>
+          <a:prstGeom prst="rect">
+            <a:avLst/>
+          </a:prstGeom>
+          <a:solidFill>
+            <a:schemeClr val="bg1"/>
+          </a:solidFill>
+          <a:ln>
+            <a:solidFill>
+              <a:schemeClr val="tx1"/>
+            </a:solidFill>
+          </a:ln>
+        </p:spPr>
+        <p:style>
+          <a:lnRef idx="2">
+            <a:schemeClr val="accent1">
+              <a:shade val="50000"/>
+            </a:schemeClr>
+          </a:lnRef>
+          <a:fillRef idx="1">
+            <a:schemeClr val="accent1"/>
+          </a:fillRef>
+          <a:effectRef idx="0">
+            <a:schemeClr val="accent1"/>
+          </a:effectRef>
+          <a:fontRef idx="minor">
+            <a:schemeClr val="lt1"/>
+          </a:fontRef>
+        </p:style>
+        <p:txBody>
+          <a:bodyPr rtlCol="0" anchor="ctr"/>
+          <a:lstStyle/>
+          <a:p>
+            <a:pPr algn="ctr"/>
+            <a:endParaRPr lang="es-ES"/>
+          </a:p>
+        </p:txBody>
+      </p:sp>
+    </p:spTree>
+  </p:cSld>
+  <p:clrMapOvr>
+    <a:masterClrMapping/>
+  </p:clrMapOvr>
+</p:sld>
+</file>
+
+<file path=ppt/slides/slide4.xml><?xml version="1.0" encoding="utf-8"?>
+<p:sld xmlns:a="http://schemas.openxmlformats.org/drawingml/2006/main" xmlns:r="http://schemas.openxmlformats.org/officeDocument/2006/relationships" xmlns:p="http://schemas.openxmlformats.org/presentationml/2006/main">
+  <p:cSld>
+    <p:spTree>
+      <p:nvGrpSpPr>
+        <p:cNvPr id="1" name=""/>
+        <p:cNvGrpSpPr/>
+        <p:nvPr/>
+      </p:nvGrpSpPr>
+      <p:grpSpPr>
+        <a:xfrm>
+          <a:off x="0" y="0"/>
+          <a:ext cx="0" cy="0"/>
+          <a:chOff x="0" y="0"/>
+          <a:chExt cx="0" cy="0"/>
+        </a:xfrm>
+      </p:grpSpPr>
+      <p:pic>
+        <p:nvPicPr>
+          <p:cNvPr id="1027" name="Picture 3" descr="C:\_workspace\kk\fotos\IMG_0023.JPG"/>
+          <p:cNvPicPr>
+            <a:picLocks noChangeAspect="1" noChangeArrowheads="1"/>
+          </p:cNvPicPr>
+          <p:nvPr/>
+        </p:nvPicPr>
+        <p:blipFill>
+          <a:blip r:embed="rId2" cstate="print"/>
+          <a:srcRect l="37662" t="31497" r="20504" b="36101"/>
+          <a:stretch>
+            <a:fillRect/>
+          </a:stretch>
+        </p:blipFill>
+        <p:spPr bwMode="auto">
+          <a:xfrm>
+            <a:off x="1907704" y="2492895"/>
+            <a:ext cx="2664296" cy="1547643"/>
+          </a:xfrm>
+          <a:prstGeom prst="rect">
+            <a:avLst/>
+          </a:prstGeom>
+          <a:noFill/>
+        </p:spPr>
+      </p:pic>
+      <p:sp>
+        <p:nvSpPr>
+          <p:cNvPr id="2" name="1 Título"/>
+          <p:cNvSpPr>
+            <a:spLocks noGrp="1"/>
+          </p:cNvSpPr>
+          <p:nvPr>
+            <p:ph type="title"/>
+          </p:nvPr>
+        </p:nvSpPr>
+        <p:spPr/>
+        <p:txBody>
+          <a:bodyPr/>
+          <a:lstStyle/>
+          <a:p>
+            <a:r>
+              <a:rPr lang="es-ES" dirty="0" smtClean="0"/>
+              <a:t>Posicionamiento </a:t>
+            </a:r>
+            <a:r>
+              <a:rPr lang="es-ES" dirty="0" smtClean="0"/>
+              <a:t>Periféricos</a:t>
+            </a:r>
+            <a:endParaRPr lang="es-ES" dirty="0"/>
+          </a:p>
+        </p:txBody>
+      </p:sp>
+      <p:sp>
+        <p:nvSpPr>
+          <p:cNvPr id="4" name="3 Rectángulo"/>
+          <p:cNvSpPr/>
+          <p:nvPr/>
+        </p:nvSpPr>
+        <p:spPr>
+          <a:xfrm>
+            <a:off x="1835696" y="2060848"/>
+            <a:ext cx="6048672" cy="4176464"/>
+          </a:xfrm>
+          <a:prstGeom prst="rect">
+            <a:avLst/>
+          </a:prstGeom>
+          <a:noFill/>
+        </p:spPr>
+        <p:style>
+          <a:lnRef idx="2">
+            <a:schemeClr val="accent1">
+              <a:shade val="50000"/>
+            </a:schemeClr>
+          </a:lnRef>
+          <a:fillRef idx="1">
+            <a:schemeClr val="accent1"/>
+          </a:fillRef>
+          <a:effectRef idx="0">
+            <a:schemeClr val="accent1"/>
+          </a:effectRef>
+          <a:fontRef idx="minor">
+            <a:schemeClr val="lt1"/>
+          </a:fontRef>
+        </p:style>
+        <p:txBody>
+          <a:bodyPr rtlCol="0" anchor="ctr"/>
+          <a:lstStyle/>
+          <a:p>
+            <a:pPr algn="ctr"/>
+            <a:endParaRPr lang="es-ES"/>
+          </a:p>
+        </p:txBody>
+      </p:sp>
+      <p:sp>
+        <p:nvSpPr>
+          <p:cNvPr id="115" name="114 CuadroTexto"/>
+          <p:cNvSpPr txBox="1"/>
+          <p:nvPr/>
+        </p:nvSpPr>
+        <p:spPr>
+          <a:xfrm>
+            <a:off x="4211960" y="2564904"/>
+            <a:ext cx="433132" cy="1292662"/>
+          </a:xfrm>
+          <a:prstGeom prst="rect">
+            <a:avLst/>
+          </a:prstGeom>
+          <a:noFill/>
+        </p:spPr>
+        <p:txBody>
+          <a:bodyPr wrap="none" rtlCol="0">
+            <a:spAutoFit/>
+          </a:bodyPr>
+          <a:lstStyle/>
+          <a:p>
+            <a:r>
+              <a:rPr lang="es-ES" sz="1200" b="1" dirty="0" smtClean="0">
+                <a:solidFill>
+                  <a:schemeClr val="bg1"/>
+                </a:solidFill>
+              </a:rPr>
+              <a:t>3V3</a:t>
+            </a:r>
+          </a:p>
+          <a:p>
+            <a:endParaRPr lang="es-ES" sz="600" b="1" dirty="0" smtClean="0">
+              <a:solidFill>
+                <a:schemeClr val="bg1"/>
+              </a:solidFill>
+            </a:endParaRPr>
+          </a:p>
+          <a:p>
+            <a:r>
+              <a:rPr lang="es-ES" sz="1200" b="1" dirty="0" smtClean="0">
+                <a:solidFill>
+                  <a:schemeClr val="bg1"/>
+                </a:solidFill>
+              </a:rPr>
+              <a:t>RST</a:t>
+            </a:r>
+          </a:p>
+          <a:p>
+            <a:endParaRPr lang="es-ES" sz="500" b="1" dirty="0" smtClean="0">
+              <a:solidFill>
+                <a:schemeClr val="bg1"/>
+              </a:solidFill>
+            </a:endParaRPr>
+          </a:p>
+          <a:p>
+            <a:r>
+              <a:rPr lang="es-ES" sz="1200" b="1" dirty="0" smtClean="0">
+                <a:solidFill>
+                  <a:schemeClr val="bg1"/>
+                </a:solidFill>
+              </a:rPr>
+              <a:t>EN</a:t>
+            </a:r>
+          </a:p>
+          <a:p>
+            <a:endParaRPr lang="es-ES" sz="700" b="1" dirty="0" smtClean="0">
+              <a:solidFill>
+                <a:schemeClr val="bg1"/>
+              </a:solidFill>
+            </a:endParaRPr>
+          </a:p>
+          <a:p>
+            <a:r>
+              <a:rPr lang="es-ES" sz="1200" b="1" dirty="0" smtClean="0">
+                <a:solidFill>
+                  <a:schemeClr val="bg1"/>
+                </a:solidFill>
+              </a:rPr>
+              <a:t>TX</a:t>
+            </a:r>
+          </a:p>
+          <a:p>
+            <a:endParaRPr lang="es-ES" sz="1200" dirty="0"/>
+          </a:p>
+        </p:txBody>
+      </p:sp>
+      <p:sp>
+        <p:nvSpPr>
+          <p:cNvPr id="116" name="115 CuadroTexto"/>
+          <p:cNvSpPr txBox="1"/>
+          <p:nvPr/>
+        </p:nvSpPr>
+        <p:spPr>
+          <a:xfrm>
+            <a:off x="3775037" y="2564904"/>
+            <a:ext cx="481287" cy="1292662"/>
+          </a:xfrm>
+          <a:prstGeom prst="rect">
+            <a:avLst/>
+          </a:prstGeom>
+          <a:noFill/>
+        </p:spPr>
+        <p:txBody>
+          <a:bodyPr wrap="none" rtlCol="0">
+            <a:spAutoFit/>
+          </a:bodyPr>
+          <a:lstStyle/>
+          <a:p>
+            <a:pPr algn="r"/>
+            <a:r>
+              <a:rPr lang="es-ES" sz="1200" b="1" dirty="0" smtClean="0">
+                <a:solidFill>
+                  <a:schemeClr val="bg1"/>
+                </a:solidFill>
+              </a:rPr>
+              <a:t>RX</a:t>
+            </a:r>
+          </a:p>
+          <a:p>
+            <a:pPr algn="r"/>
+            <a:endParaRPr lang="es-ES" sz="600" b="1" dirty="0" smtClean="0">
+              <a:solidFill>
+                <a:schemeClr val="bg1"/>
+              </a:solidFill>
+            </a:endParaRPr>
+          </a:p>
+          <a:p>
+            <a:pPr algn="r"/>
+            <a:r>
+              <a:rPr lang="es-ES" sz="1200" b="1" dirty="0" smtClean="0">
+                <a:solidFill>
+                  <a:schemeClr val="bg1"/>
+                </a:solidFill>
+              </a:rPr>
+              <a:t>IO0</a:t>
+            </a:r>
+          </a:p>
+          <a:p>
+            <a:pPr algn="r"/>
+            <a:endParaRPr lang="es-ES" sz="500" b="1" dirty="0" smtClean="0">
+              <a:solidFill>
+                <a:schemeClr val="bg1"/>
+              </a:solidFill>
+            </a:endParaRPr>
+          </a:p>
+          <a:p>
+            <a:pPr algn="r"/>
+            <a:r>
+              <a:rPr lang="es-ES" sz="1200" b="1" dirty="0" smtClean="0">
+                <a:solidFill>
+                  <a:schemeClr val="bg1"/>
+                </a:solidFill>
+              </a:rPr>
+              <a:t>IO2</a:t>
+            </a:r>
+          </a:p>
+          <a:p>
+            <a:pPr algn="r"/>
+            <a:endParaRPr lang="es-ES" sz="700" b="1" dirty="0" smtClean="0">
+              <a:solidFill>
+                <a:schemeClr val="bg1"/>
+              </a:solidFill>
+            </a:endParaRPr>
+          </a:p>
+          <a:p>
+            <a:pPr algn="r"/>
+            <a:r>
+              <a:rPr lang="es-ES" sz="1200" b="1" dirty="0" smtClean="0">
+                <a:solidFill>
+                  <a:schemeClr val="bg1"/>
+                </a:solidFill>
+              </a:rPr>
+              <a:t>GND</a:t>
+            </a:r>
+          </a:p>
+          <a:p>
+            <a:pPr algn="r"/>
+            <a:endParaRPr lang="es-ES" sz="1200" dirty="0">
+              <a:solidFill>
+                <a:schemeClr val="bg1"/>
+              </a:solidFill>
+            </a:endParaRPr>
+          </a:p>
+        </p:txBody>
+      </p:sp>
+      <p:sp>
+        <p:nvSpPr>
+          <p:cNvPr id="117" name="116 Rectángulo"/>
+          <p:cNvSpPr/>
+          <p:nvPr/>
+        </p:nvSpPr>
+        <p:spPr>
+          <a:xfrm>
+            <a:off x="4644008" y="2420888"/>
+            <a:ext cx="3024336" cy="2232248"/>
+          </a:xfrm>
+          <a:prstGeom prst="rect">
+            <a:avLst/>
+          </a:prstGeom>
+        </p:spPr>
+        <p:style>
+          <a:lnRef idx="2">
+            <a:schemeClr val="accent1">
+              <a:shade val="50000"/>
+            </a:schemeClr>
+          </a:lnRef>
+          <a:fillRef idx="1">
+            <a:schemeClr val="accent1"/>
+          </a:fillRef>
+          <a:effectRef idx="0">
+            <a:schemeClr val="accent1"/>
+          </a:effectRef>
+          <a:fontRef idx="minor">
+            <a:schemeClr val="lt1"/>
+          </a:fontRef>
+        </p:style>
+        <p:txBody>
+          <a:bodyPr rtlCol="0" anchor="ctr"/>
+          <a:lstStyle/>
+          <a:p>
+            <a:pPr algn="ctr"/>
+            <a:r>
+              <a:rPr lang="es-ES" dirty="0" smtClean="0"/>
+              <a:t>STM32F103</a:t>
+            </a:r>
+            <a:endParaRPr lang="es-ES" dirty="0"/>
+          </a:p>
+        </p:txBody>
+      </p:sp>
+      <p:sp>
+        <p:nvSpPr>
+          <p:cNvPr id="16" name="15 Rectángulo"/>
+          <p:cNvSpPr/>
+          <p:nvPr/>
+        </p:nvSpPr>
+        <p:spPr>
+          <a:xfrm>
+            <a:off x="1907704" y="2492896"/>
+            <a:ext cx="2664296" cy="1512168"/>
+          </a:xfrm>
+          <a:prstGeom prst="rect">
+            <a:avLst/>
+          </a:prstGeom>
+          <a:noFill/>
+        </p:spPr>
+        <p:style>
+          <a:lnRef idx="2">
+            <a:schemeClr val="accent1">
+              <a:shade val="50000"/>
+            </a:schemeClr>
+          </a:lnRef>
+          <a:fillRef idx="1">
+            <a:schemeClr val="accent1"/>
+          </a:fillRef>
+          <a:effectRef idx="0">
+            <a:schemeClr val="accent1"/>
+          </a:effectRef>
+          <a:fontRef idx="minor">
+            <a:schemeClr val="lt1"/>
+          </a:fontRef>
+        </p:style>
+        <p:txBody>
+          <a:bodyPr rtlCol="0" anchor="ctr"/>
+          <a:lstStyle/>
+          <a:p>
+            <a:pPr algn="ctr"/>
+            <a:endParaRPr lang="es-ES"/>
+          </a:p>
+        </p:txBody>
+      </p:sp>
+      <p:sp>
+        <p:nvSpPr>
+          <p:cNvPr id="17" name="16 Rectángulo"/>
+          <p:cNvSpPr/>
+          <p:nvPr/>
+        </p:nvSpPr>
+        <p:spPr>
+          <a:xfrm>
+            <a:off x="4716016" y="2492896"/>
+            <a:ext cx="360040" cy="2088232"/>
+          </a:xfrm>
+          <a:prstGeom prst="rect">
+            <a:avLst/>
+          </a:prstGeom>
+          <a:solidFill>
+            <a:schemeClr val="tx1"/>
+          </a:solidFill>
+        </p:spPr>
+        <p:style>
+          <a:lnRef idx="2">
+            <a:schemeClr val="accent1">
+              <a:shade val="50000"/>
+            </a:schemeClr>
+          </a:lnRef>
+          <a:fillRef idx="1">
+            <a:schemeClr val="accent1"/>
+          </a:fillRef>
+          <a:effectRef idx="0">
+            <a:schemeClr val="accent1"/>
+          </a:effectRef>
+          <a:fontRef idx="minor">
+            <a:schemeClr val="lt1"/>
+          </a:fontRef>
+        </p:style>
+        <p:txBody>
+          <a:bodyPr rtlCol="0" anchor="ctr"/>
+          <a:lstStyle/>
+          <a:p>
+            <a:pPr algn="ctr"/>
+            <a:endParaRPr lang="es-ES"/>
+          </a:p>
+        </p:txBody>
+      </p:sp>
+      <p:sp>
+        <p:nvSpPr>
+          <p:cNvPr id="18" name="17 CuadroTexto"/>
+          <p:cNvSpPr txBox="1"/>
+          <p:nvPr/>
+        </p:nvSpPr>
+        <p:spPr>
+          <a:xfrm>
+            <a:off x="1979712" y="3068960"/>
+            <a:ext cx="830035" cy="369332"/>
+          </a:xfrm>
+          <a:prstGeom prst="rect">
+            <a:avLst/>
+          </a:prstGeom>
+          <a:noFill/>
+        </p:spPr>
+        <p:txBody>
+          <a:bodyPr wrap="none" rtlCol="0">
+            <a:spAutoFit/>
+          </a:bodyPr>
+          <a:lstStyle/>
+          <a:p>
+            <a:r>
+              <a:rPr lang="es-ES" b="1" i="1" dirty="0" smtClean="0"/>
+              <a:t>ESP-01</a:t>
+            </a:r>
+            <a:endParaRPr lang="es-ES" b="1" i="1" dirty="0"/>
+          </a:p>
+        </p:txBody>
+      </p:sp>
+      <p:sp>
+        <p:nvSpPr>
+          <p:cNvPr id="19" name="18 Rectángulo"/>
+          <p:cNvSpPr/>
+          <p:nvPr/>
+        </p:nvSpPr>
+        <p:spPr>
+          <a:xfrm>
+            <a:off x="1979712" y="4869160"/>
+            <a:ext cx="1152128" cy="936104"/>
+          </a:xfrm>
+          <a:prstGeom prst="rect">
+            <a:avLst/>
+          </a:prstGeom>
+          <a:noFill/>
+        </p:spPr>
+        <p:style>
+          <a:lnRef idx="2">
+            <a:schemeClr val="accent1">
+              <a:shade val="50000"/>
+            </a:schemeClr>
+          </a:lnRef>
+          <a:fillRef idx="1">
+            <a:schemeClr val="accent1"/>
+          </a:fillRef>
+          <a:effectRef idx="0">
+            <a:schemeClr val="accent1"/>
+          </a:effectRef>
+          <a:fontRef idx="minor">
+            <a:schemeClr val="lt1"/>
+          </a:fontRef>
+        </p:style>
+        <p:txBody>
+          <a:bodyPr rtlCol="0" anchor="ctr"/>
+          <a:lstStyle/>
+          <a:p>
+            <a:pPr algn="ctr"/>
+            <a:endParaRPr lang="es-ES"/>
+          </a:p>
+        </p:txBody>
+      </p:sp>
+      <p:sp>
+        <p:nvSpPr>
+          <p:cNvPr id="28" name="27 CuadroTexto"/>
+          <p:cNvSpPr txBox="1"/>
+          <p:nvPr/>
+        </p:nvSpPr>
+        <p:spPr>
+          <a:xfrm>
+            <a:off x="1979712" y="4509120"/>
+            <a:ext cx="812145" cy="369332"/>
+          </a:xfrm>
+          <a:prstGeom prst="rect">
+            <a:avLst/>
+          </a:prstGeom>
+          <a:noFill/>
+        </p:spPr>
+        <p:txBody>
+          <a:bodyPr wrap="none" rtlCol="0">
+            <a:spAutoFit/>
+          </a:bodyPr>
+          <a:lstStyle/>
+          <a:p>
+            <a:r>
+              <a:rPr lang="es-ES" b="1" i="1" dirty="0" err="1" smtClean="0"/>
+              <a:t>Buzzer</a:t>
+            </a:r>
+            <a:endParaRPr lang="es-ES" b="1" i="1" dirty="0"/>
+          </a:p>
+        </p:txBody>
+      </p:sp>
+      <p:pic>
+        <p:nvPicPr>
+          <p:cNvPr id="1026" name="Picture 2" descr="C:\_workspace\kk\fotos\IMG_0024.JPG"/>
+          <p:cNvPicPr>
+            <a:picLocks noChangeAspect="1" noChangeArrowheads="1"/>
+          </p:cNvPicPr>
+          <p:nvPr/>
+        </p:nvPicPr>
+        <p:blipFill>
+          <a:blip r:embed="rId3" cstate="print"/>
+          <a:srcRect l="42792" t="48004" r="33523" b="26156"/>
+          <a:stretch>
+            <a:fillRect/>
+          </a:stretch>
+        </p:blipFill>
+        <p:spPr bwMode="auto">
+          <a:xfrm>
+            <a:off x="1979712" y="4869160"/>
+            <a:ext cx="1152128" cy="942650"/>
+          </a:xfrm>
+          <a:prstGeom prst="rect">
+            <a:avLst/>
+          </a:prstGeom>
+          <a:noFill/>
+        </p:spPr>
+      </p:pic>
+      <p:sp>
+        <p:nvSpPr>
+          <p:cNvPr id="29" name="28 Elipse"/>
+          <p:cNvSpPr/>
+          <p:nvPr/>
+        </p:nvSpPr>
+        <p:spPr>
+          <a:xfrm rot="10800000">
+            <a:off x="2718817" y="5029200"/>
+            <a:ext cx="72008" cy="72008"/>
+          </a:xfrm>
+          <a:prstGeom prst="ellipse">
+            <a:avLst/>
+          </a:prstGeom>
+          <a:noFill/>
+          <a:ln>
+            <a:solidFill>
+              <a:schemeClr val="accent6">
+                <a:lumMod val="75000"/>
+              </a:schemeClr>
+            </a:solidFill>
+          </a:ln>
+        </p:spPr>
+        <p:style>
+          <a:lnRef idx="2">
+            <a:schemeClr val="accent1">
+              <a:shade val="50000"/>
+            </a:schemeClr>
+          </a:lnRef>
+          <a:fillRef idx="1">
+            <a:schemeClr val="accent1"/>
+          </a:fillRef>
+          <a:effectRef idx="0">
+            <a:schemeClr val="accent1"/>
+          </a:effectRef>
+          <a:fontRef idx="minor">
+            <a:schemeClr val="lt1"/>
+          </a:fontRef>
+        </p:style>
+        <p:txBody>
+          <a:bodyPr rtlCol="0" anchor="ctr"/>
+          <a:lstStyle/>
+          <a:p>
+            <a:pPr algn="ctr"/>
+            <a:endParaRPr lang="es-ES"/>
+          </a:p>
+        </p:txBody>
+      </p:sp>
+      <p:sp>
+        <p:nvSpPr>
+          <p:cNvPr id="32" name="31 CuadroTexto"/>
+          <p:cNvSpPr txBox="1"/>
+          <p:nvPr/>
+        </p:nvSpPr>
+        <p:spPr>
+          <a:xfrm>
+            <a:off x="2737866" y="4867275"/>
+            <a:ext cx="754014" cy="923330"/>
+          </a:xfrm>
+          <a:prstGeom prst="rect">
+            <a:avLst/>
+          </a:prstGeom>
+          <a:noFill/>
+        </p:spPr>
+        <p:txBody>
+          <a:bodyPr wrap="square" rtlCol="0">
+            <a:spAutoFit/>
+          </a:bodyPr>
+          <a:lstStyle/>
+          <a:p>
+            <a:r>
+              <a:rPr lang="es-ES" sz="1200" b="1" dirty="0" smtClean="0">
+                <a:solidFill>
+                  <a:schemeClr val="bg2"/>
+                </a:solidFill>
+              </a:rPr>
+              <a:t>3V3</a:t>
+            </a:r>
+          </a:p>
+          <a:p>
+            <a:endParaRPr lang="es-ES" sz="100" b="1" dirty="0" smtClean="0">
+              <a:solidFill>
+                <a:schemeClr val="bg1"/>
+              </a:solidFill>
+            </a:endParaRPr>
+          </a:p>
+          <a:p>
+            <a:r>
+              <a:rPr lang="es-ES" sz="1200" b="1" dirty="0" smtClean="0">
+                <a:solidFill>
+                  <a:schemeClr val="bg1"/>
+                </a:solidFill>
+              </a:rPr>
+              <a:t>    </a:t>
+            </a:r>
+            <a:r>
+              <a:rPr lang="es-ES" sz="1200" b="1" dirty="0" smtClean="0"/>
+              <a:t>BUZ</a:t>
+            </a:r>
+            <a:endParaRPr lang="es-ES" sz="1200" b="1" dirty="0" smtClean="0"/>
+          </a:p>
+          <a:p>
+            <a:endParaRPr lang="es-ES" sz="600" b="1" dirty="0" smtClean="0"/>
+          </a:p>
+          <a:p>
+            <a:endParaRPr lang="es-ES" sz="1100" b="1" dirty="0" smtClean="0"/>
+          </a:p>
+          <a:p>
+            <a:r>
+              <a:rPr lang="es-ES" sz="1200" b="1" dirty="0" smtClean="0"/>
+              <a:t>      GND</a:t>
+            </a:r>
+            <a:endParaRPr lang="es-ES" sz="1200" b="1" dirty="0"/>
+          </a:p>
+        </p:txBody>
+      </p:sp>
+      <p:sp>
+        <p:nvSpPr>
+          <p:cNvPr id="33" name="32 Elipse"/>
+          <p:cNvSpPr/>
+          <p:nvPr/>
+        </p:nvSpPr>
+        <p:spPr>
+          <a:xfrm rot="10800000">
+            <a:off x="2871217" y="5181600"/>
+            <a:ext cx="72008" cy="72008"/>
+          </a:xfrm>
+          <a:prstGeom prst="ellipse">
+            <a:avLst/>
+          </a:prstGeom>
+          <a:noFill/>
+          <a:ln>
+            <a:solidFill>
+              <a:schemeClr val="accent6">
+                <a:lumMod val="75000"/>
+              </a:schemeClr>
+            </a:solidFill>
+          </a:ln>
+        </p:spPr>
+        <p:style>
+          <a:lnRef idx="2">
+            <a:schemeClr val="accent1">
+              <a:shade val="50000"/>
+            </a:schemeClr>
+          </a:lnRef>
+          <a:fillRef idx="1">
+            <a:schemeClr val="accent1"/>
+          </a:fillRef>
+          <a:effectRef idx="0">
+            <a:schemeClr val="accent1"/>
+          </a:effectRef>
+          <a:fontRef idx="minor">
+            <a:schemeClr val="lt1"/>
+          </a:fontRef>
+        </p:style>
+        <p:txBody>
+          <a:bodyPr rtlCol="0" anchor="ctr"/>
+          <a:lstStyle/>
+          <a:p>
+            <a:pPr algn="ctr"/>
+            <a:endParaRPr lang="es-ES"/>
+          </a:p>
+        </p:txBody>
+      </p:sp>
+      <p:sp>
+        <p:nvSpPr>
+          <p:cNvPr id="34" name="33 Elipse"/>
+          <p:cNvSpPr/>
+          <p:nvPr/>
+        </p:nvSpPr>
+        <p:spPr>
+          <a:xfrm rot="10800000">
+            <a:off x="2911773" y="5599584"/>
+            <a:ext cx="72008" cy="72008"/>
+          </a:xfrm>
+          <a:prstGeom prst="ellipse">
+            <a:avLst/>
+          </a:prstGeom>
+          <a:noFill/>
+          <a:ln>
+            <a:solidFill>
+              <a:schemeClr val="accent6">
+                <a:lumMod val="75000"/>
+              </a:schemeClr>
+            </a:solidFill>
+          </a:ln>
+        </p:spPr>
+        <p:style>
+          <a:lnRef idx="2">
+            <a:schemeClr val="accent1">
+              <a:shade val="50000"/>
+            </a:schemeClr>
+          </a:lnRef>
+          <a:fillRef idx="1">
+            <a:schemeClr val="accent1"/>
+          </a:fillRef>
+          <a:effectRef idx="0">
+            <a:schemeClr val="accent1"/>
+          </a:effectRef>
+          <a:fontRef idx="minor">
+            <a:schemeClr val="lt1"/>
+          </a:fontRef>
+        </p:style>
+        <p:txBody>
+          <a:bodyPr rtlCol="0" anchor="ctr"/>
+          <a:lstStyle/>
+          <a:p>
+            <a:pPr algn="ctr"/>
+            <a:endParaRPr lang="es-ES"/>
+          </a:p>
+        </p:txBody>
+      </p:sp>
+    </p:spTree>
+  </p:cSld>
+  <p:clrMapOvr>
+    <a:masterClrMapping/>
+  </p:clrMapOvr>
+</p:sld>
+</file>
+
+<file path=ppt/slides/slide5.xml><?xml version="1.0" encoding="utf-8"?>
+<p:sld xmlns:a="http://schemas.openxmlformats.org/drawingml/2006/main" xmlns:r="http://schemas.openxmlformats.org/officeDocument/2006/relationships" xmlns:p="http://schemas.openxmlformats.org/presentationml/2006/main">
+  <p:cSld>
+    <p:spTree>
+      <p:nvGrpSpPr>
+        <p:cNvPr id="1" name=""/>
+        <p:cNvGrpSpPr/>
+        <p:nvPr/>
+      </p:nvGrpSpPr>
+      <p:grpSpPr>
+        <a:xfrm>
+          <a:off x="0" y="0"/>
+          <a:ext cx="0" cy="0"/>
+          <a:chOff x="0" y="0"/>
+          <a:chExt cx="0" cy="0"/>
+        </a:xfrm>
+      </p:grpSpPr>
+      <p:sp>
+        <p:nvSpPr>
+          <p:cNvPr id="19" name="18 Cubo"/>
+          <p:cNvSpPr/>
+          <p:nvPr/>
+        </p:nvSpPr>
+        <p:spPr>
+          <a:xfrm>
+            <a:off x="3491880" y="2492896"/>
+            <a:ext cx="2592288" cy="2232248"/>
+          </a:xfrm>
+          <a:prstGeom prst="cube">
+            <a:avLst>
+              <a:gd name="adj" fmla="val 7897"/>
+            </a:avLst>
+          </a:prstGeom>
+        </p:spPr>
+        <p:style>
+          <a:lnRef idx="2">
+            <a:schemeClr val="accent1">
+              <a:shade val="50000"/>
+            </a:schemeClr>
+          </a:lnRef>
+          <a:fillRef idx="1">
+            <a:schemeClr val="accent1"/>
+          </a:fillRef>
+          <a:effectRef idx="0">
+            <a:schemeClr val="accent1"/>
+          </a:effectRef>
+          <a:fontRef idx="minor">
+            <a:schemeClr val="lt1"/>
+          </a:fontRef>
+        </p:style>
+        <p:txBody>
+          <a:bodyPr rtlCol="0" anchor="ctr"/>
+          <a:lstStyle/>
+          <a:p>
+            <a:pPr algn="ctr"/>
+            <a:endParaRPr lang="es-ES"/>
+          </a:p>
+        </p:txBody>
+      </p:sp>
+      <p:sp>
+        <p:nvSpPr>
+          <p:cNvPr id="2" name="1 Título"/>
+          <p:cNvSpPr>
+            <a:spLocks noGrp="1"/>
+          </p:cNvSpPr>
+          <p:nvPr>
+            <p:ph type="title"/>
+          </p:nvPr>
+        </p:nvSpPr>
+        <p:spPr/>
+        <p:txBody>
+          <a:bodyPr/>
+          <a:lstStyle/>
+          <a:p>
+            <a:r>
+              <a:rPr lang="es-ES" dirty="0" smtClean="0"/>
+              <a:t>Carcasa plástica</a:t>
+            </a:r>
+            <a:endParaRPr lang="es-ES" dirty="0"/>
+          </a:p>
+        </p:txBody>
+      </p:sp>
+      <p:sp>
+        <p:nvSpPr>
+          <p:cNvPr id="17" name="16 Cubo"/>
+          <p:cNvSpPr/>
+          <p:nvPr/>
+        </p:nvSpPr>
+        <p:spPr>
+          <a:xfrm>
+            <a:off x="2483768" y="2780928"/>
+            <a:ext cx="3240360" cy="1296144"/>
+          </a:xfrm>
+          <a:prstGeom prst="cube">
+            <a:avLst>
+              <a:gd name="adj" fmla="val 72032"/>
+            </a:avLst>
+          </a:prstGeom>
+        </p:spPr>
+        <p:style>
+          <a:lnRef idx="2">
+            <a:schemeClr val="accent1">
+              <a:shade val="50000"/>
+            </a:schemeClr>
+          </a:lnRef>
+          <a:fillRef idx="1">
+            <a:schemeClr val="accent1"/>
+          </a:fillRef>
+          <a:effectRef idx="0">
+            <a:schemeClr val="accent1"/>
+          </a:effectRef>
+          <a:fontRef idx="minor">
+            <a:schemeClr val="lt1"/>
+          </a:fontRef>
+        </p:style>
+        <p:txBody>
+          <a:bodyPr rtlCol="0" anchor="ctr"/>
+          <a:lstStyle/>
+          <a:p>
+            <a:pPr algn="ctr"/>
+            <a:endParaRPr lang="es-ES"/>
+          </a:p>
+        </p:txBody>
+      </p:sp>
+      <p:sp>
+        <p:nvSpPr>
+          <p:cNvPr id="18" name="17 Cubo"/>
+          <p:cNvSpPr/>
+          <p:nvPr/>
+        </p:nvSpPr>
+        <p:spPr>
+          <a:xfrm>
+            <a:off x="2123728" y="3861048"/>
+            <a:ext cx="2592288" cy="2232248"/>
+          </a:xfrm>
+          <a:prstGeom prst="cube">
+            <a:avLst>
+              <a:gd name="adj" fmla="val 7897"/>
+            </a:avLst>
+          </a:prstGeom>
+        </p:spPr>
+        <p:style>
+          <a:lnRef idx="2">
+            <a:schemeClr val="accent1">
+              <a:shade val="50000"/>
+            </a:schemeClr>
+          </a:lnRef>
+          <a:fillRef idx="1">
+            <a:schemeClr val="accent1"/>
+          </a:fillRef>
+          <a:effectRef idx="0">
+            <a:schemeClr val="accent1"/>
+          </a:effectRef>
+          <a:fontRef idx="minor">
+            <a:schemeClr val="lt1"/>
+          </a:fontRef>
+        </p:style>
+        <p:txBody>
+          <a:bodyPr rtlCol="0" anchor="ctr"/>
+          <a:lstStyle/>
+          <a:p>
+            <a:pPr algn="ctr"/>
+            <a:endParaRPr lang="es-ES"/>
+          </a:p>
+        </p:txBody>
+      </p:sp>
+      <p:cxnSp>
+        <p:nvCxnSpPr>
+          <p:cNvPr id="29" name="28 Conector recto de flecha"/>
+          <p:cNvCxnSpPr/>
+          <p:nvPr/>
+        </p:nvCxnSpPr>
+        <p:spPr>
+          <a:xfrm>
+            <a:off x="3707904" y="2420888"/>
+            <a:ext cx="2376264" cy="0"/>
+          </a:xfrm>
+          <a:prstGeom prst="straightConnector1">
+            <a:avLst/>
+          </a:prstGeom>
+          <a:ln>
+            <a:headEnd type="arrow"/>
+            <a:tailEnd type="arrow"/>
+          </a:ln>
+        </p:spPr>
+        <p:style>
+          <a:lnRef idx="1">
+            <a:schemeClr val="accent1"/>
+          </a:lnRef>
+          <a:fillRef idx="0">
+            <a:schemeClr val="accent1"/>
+          </a:fillRef>
+          <a:effectRef idx="0">
+            <a:schemeClr val="accent1"/>
+          </a:effectRef>
+          <a:fontRef idx="minor">
+            <a:schemeClr val="tx1"/>
+          </a:fontRef>
+        </p:style>
+      </p:cxnSp>
+      <p:sp>
+        <p:nvSpPr>
+          <p:cNvPr id="30" name="29 CuadroTexto"/>
+          <p:cNvSpPr txBox="1"/>
+          <p:nvPr/>
+        </p:nvSpPr>
+        <p:spPr>
+          <a:xfrm>
+            <a:off x="4644008" y="2132856"/>
+            <a:ext cx="652743" cy="307777"/>
+          </a:xfrm>
+          <a:prstGeom prst="rect">
+            <a:avLst/>
+          </a:prstGeom>
+          <a:noFill/>
+        </p:spPr>
+        <p:txBody>
+          <a:bodyPr wrap="none" rtlCol="0">
+            <a:spAutoFit/>
+          </a:bodyPr>
+          <a:lstStyle/>
+          <a:p>
+            <a:r>
+              <a:rPr lang="es-ES" sz="1400" i="1" dirty="0" smtClean="0"/>
+              <a:t>81mm</a:t>
+            </a:r>
+            <a:endParaRPr lang="es-ES" sz="1400" i="1" dirty="0"/>
+          </a:p>
+        </p:txBody>
+      </p:sp>
+      <p:cxnSp>
+        <p:nvCxnSpPr>
+          <p:cNvPr id="31" name="30 Conector recto de flecha"/>
+          <p:cNvCxnSpPr/>
+          <p:nvPr/>
+        </p:nvCxnSpPr>
+        <p:spPr>
+          <a:xfrm flipV="1">
+            <a:off x="6228184" y="2492896"/>
+            <a:ext cx="0" cy="2088232"/>
+          </a:xfrm>
+          <a:prstGeom prst="straightConnector1">
+            <a:avLst/>
+          </a:prstGeom>
+          <a:ln>
+            <a:headEnd type="arrow"/>
+            <a:tailEnd type="arrow"/>
+          </a:ln>
+        </p:spPr>
+        <p:style>
+          <a:lnRef idx="1">
+            <a:schemeClr val="accent1"/>
+          </a:lnRef>
+          <a:fillRef idx="0">
+            <a:schemeClr val="accent1"/>
+          </a:fillRef>
+          <a:effectRef idx="0">
+            <a:schemeClr val="accent1"/>
+          </a:effectRef>
+          <a:fontRef idx="minor">
+            <a:schemeClr val="tx1"/>
+          </a:fontRef>
+        </p:style>
+      </p:cxnSp>
+      <p:sp>
+        <p:nvSpPr>
+          <p:cNvPr id="34" name="33 CuadroTexto"/>
+          <p:cNvSpPr txBox="1"/>
+          <p:nvPr/>
+        </p:nvSpPr>
+        <p:spPr>
+          <a:xfrm>
+            <a:off x="6228184" y="3356992"/>
+            <a:ext cx="652743" cy="307777"/>
+          </a:xfrm>
+          <a:prstGeom prst="rect">
+            <a:avLst/>
+          </a:prstGeom>
+          <a:noFill/>
+        </p:spPr>
+        <p:txBody>
+          <a:bodyPr wrap="none" rtlCol="0">
+            <a:spAutoFit/>
+          </a:bodyPr>
+          <a:lstStyle/>
+          <a:p>
+            <a:r>
+              <a:rPr lang="es-ES" sz="1400" i="1" dirty="0" smtClean="0"/>
+              <a:t>37mm</a:t>
+            </a:r>
+            <a:endParaRPr lang="es-ES" sz="1400" i="1" dirty="0"/>
+          </a:p>
+        </p:txBody>
+      </p:sp>
+      <p:cxnSp>
+        <p:nvCxnSpPr>
+          <p:cNvPr id="35" name="34 Conector recto de flecha"/>
+          <p:cNvCxnSpPr/>
+          <p:nvPr/>
+        </p:nvCxnSpPr>
+        <p:spPr>
+          <a:xfrm flipH="1">
+            <a:off x="3419872" y="2492896"/>
+            <a:ext cx="144016" cy="144016"/>
+          </a:xfrm>
+          <a:prstGeom prst="straightConnector1">
+            <a:avLst/>
+          </a:prstGeom>
+          <a:ln>
+            <a:headEnd type="arrow"/>
+            <a:tailEnd type="arrow"/>
+          </a:ln>
+        </p:spPr>
+        <p:style>
+          <a:lnRef idx="1">
+            <a:schemeClr val="accent1"/>
+          </a:lnRef>
+          <a:fillRef idx="0">
+            <a:schemeClr val="accent1"/>
+          </a:fillRef>
+          <a:effectRef idx="0">
+            <a:schemeClr val="accent1"/>
+          </a:effectRef>
+          <a:fontRef idx="minor">
+            <a:schemeClr val="tx1"/>
+          </a:fontRef>
+        </p:style>
+      </p:cxnSp>
+      <p:sp>
+        <p:nvSpPr>
+          <p:cNvPr id="38" name="37 CuadroTexto"/>
+          <p:cNvSpPr txBox="1"/>
+          <p:nvPr/>
+        </p:nvSpPr>
+        <p:spPr>
+          <a:xfrm>
+            <a:off x="2771800" y="2348880"/>
+            <a:ext cx="652743" cy="307777"/>
+          </a:xfrm>
+          <a:prstGeom prst="rect">
+            <a:avLst/>
+          </a:prstGeom>
+          <a:noFill/>
+        </p:spPr>
+        <p:txBody>
+          <a:bodyPr wrap="none" rtlCol="0">
+            <a:spAutoFit/>
+          </a:bodyPr>
+          <a:lstStyle/>
+          <a:p>
+            <a:r>
+              <a:rPr lang="es-ES" sz="1400" i="1" dirty="0" smtClean="0"/>
+              <a:t>25mm</a:t>
+            </a:r>
+            <a:endParaRPr lang="es-ES" sz="1400" i="1" dirty="0"/>
+          </a:p>
+        </p:txBody>
+      </p:sp>
+      <p:cxnSp>
+        <p:nvCxnSpPr>
+          <p:cNvPr id="40" name="39 Conector recto de flecha"/>
+          <p:cNvCxnSpPr/>
+          <p:nvPr/>
+        </p:nvCxnSpPr>
+        <p:spPr>
+          <a:xfrm flipH="1">
+            <a:off x="2339752" y="2780928"/>
+            <a:ext cx="936104" cy="936104"/>
+          </a:xfrm>
+          <a:prstGeom prst="straightConnector1">
+            <a:avLst/>
+          </a:prstGeom>
+          <a:ln>
+            <a:headEnd type="arrow"/>
+            <a:tailEnd type="arrow"/>
+          </a:ln>
+        </p:spPr>
+        <p:style>
+          <a:lnRef idx="1">
+            <a:schemeClr val="accent1"/>
+          </a:lnRef>
+          <a:fillRef idx="0">
+            <a:schemeClr val="accent1"/>
+          </a:fillRef>
+          <a:effectRef idx="0">
+            <a:schemeClr val="accent1"/>
+          </a:effectRef>
+          <a:fontRef idx="minor">
+            <a:schemeClr val="tx1"/>
+          </a:fontRef>
+        </p:style>
+      </p:cxnSp>
+      <p:sp>
+        <p:nvSpPr>
+          <p:cNvPr id="41" name="40 CuadroTexto"/>
+          <p:cNvSpPr txBox="1"/>
+          <p:nvPr/>
+        </p:nvSpPr>
+        <p:spPr>
+          <a:xfrm>
+            <a:off x="2267744" y="2924944"/>
+            <a:ext cx="652743" cy="307777"/>
+          </a:xfrm>
+          <a:prstGeom prst="rect">
+            <a:avLst/>
+          </a:prstGeom>
+          <a:noFill/>
+        </p:spPr>
+        <p:txBody>
+          <a:bodyPr wrap="none" rtlCol="0">
+            <a:spAutoFit/>
+          </a:bodyPr>
+          <a:lstStyle/>
+          <a:p>
+            <a:r>
+              <a:rPr lang="es-ES" sz="1400" i="1" dirty="0" smtClean="0"/>
+              <a:t>49mm</a:t>
+            </a:r>
+            <a:endParaRPr lang="es-ES" sz="1400" i="1" dirty="0"/>
+          </a:p>
+        </p:txBody>
+      </p:sp>
+      <p:cxnSp>
+        <p:nvCxnSpPr>
+          <p:cNvPr id="43" name="42 Conector recto de flecha"/>
+          <p:cNvCxnSpPr/>
+          <p:nvPr/>
+        </p:nvCxnSpPr>
+        <p:spPr>
+          <a:xfrm flipV="1">
+            <a:off x="1979712" y="4005064"/>
+            <a:ext cx="0" cy="2088232"/>
+          </a:xfrm>
+          <a:prstGeom prst="straightConnector1">
+            <a:avLst/>
+          </a:prstGeom>
+          <a:ln>
+            <a:headEnd type="arrow"/>
+            <a:tailEnd type="arrow"/>
+          </a:ln>
+        </p:spPr>
+        <p:style>
+          <a:lnRef idx="1">
+            <a:schemeClr val="accent1"/>
+          </a:lnRef>
+          <a:fillRef idx="0">
+            <a:schemeClr val="accent1"/>
+          </a:fillRef>
+          <a:effectRef idx="0">
+            <a:schemeClr val="accent1"/>
+          </a:effectRef>
+          <a:fontRef idx="minor">
+            <a:schemeClr val="tx1"/>
+          </a:fontRef>
+        </p:style>
+      </p:cxnSp>
+      <p:sp>
+        <p:nvSpPr>
+          <p:cNvPr id="44" name="43 CuadroTexto"/>
+          <p:cNvSpPr txBox="1"/>
+          <p:nvPr/>
+        </p:nvSpPr>
+        <p:spPr>
+          <a:xfrm>
+            <a:off x="1259632" y="4869160"/>
+            <a:ext cx="652743" cy="307777"/>
+          </a:xfrm>
+          <a:prstGeom prst="rect">
+            <a:avLst/>
+          </a:prstGeom>
+          <a:noFill/>
+        </p:spPr>
+        <p:txBody>
+          <a:bodyPr wrap="none" rtlCol="0">
+            <a:spAutoFit/>
+          </a:bodyPr>
+          <a:lstStyle/>
+          <a:p>
+            <a:r>
+              <a:rPr lang="es-ES" sz="1400" i="1" dirty="0" smtClean="0"/>
+              <a:t>31mm</a:t>
+            </a:r>
+            <a:endParaRPr lang="es-ES" sz="1400" i="1" dirty="0"/>
+          </a:p>
+        </p:txBody>
+      </p:sp>
+      <p:cxnSp>
+        <p:nvCxnSpPr>
+          <p:cNvPr id="45" name="44 Conector recto de flecha"/>
+          <p:cNvCxnSpPr/>
+          <p:nvPr/>
+        </p:nvCxnSpPr>
+        <p:spPr>
+          <a:xfrm flipH="1">
+            <a:off x="2051720" y="3861048"/>
+            <a:ext cx="144016" cy="144016"/>
+          </a:xfrm>
+          <a:prstGeom prst="straightConnector1">
+            <a:avLst/>
+          </a:prstGeom>
+          <a:ln>
+            <a:headEnd type="arrow"/>
+            <a:tailEnd type="arrow"/>
+          </a:ln>
+        </p:spPr>
+        <p:style>
+          <a:lnRef idx="1">
+            <a:schemeClr val="accent1"/>
+          </a:lnRef>
+          <a:fillRef idx="0">
+            <a:schemeClr val="accent1"/>
+          </a:fillRef>
+          <a:effectRef idx="0">
+            <a:schemeClr val="accent1"/>
+          </a:effectRef>
+          <a:fontRef idx="minor">
+            <a:schemeClr val="tx1"/>
+          </a:fontRef>
+        </p:style>
+      </p:cxnSp>
+      <p:sp>
+        <p:nvSpPr>
+          <p:cNvPr id="46" name="45 CuadroTexto"/>
+          <p:cNvSpPr txBox="1"/>
+          <p:nvPr/>
+        </p:nvSpPr>
+        <p:spPr>
+          <a:xfrm>
+            <a:off x="1403648" y="3717032"/>
+            <a:ext cx="652743" cy="307777"/>
+          </a:xfrm>
+          <a:prstGeom prst="rect">
+            <a:avLst/>
+          </a:prstGeom>
+          <a:noFill/>
+        </p:spPr>
+        <p:txBody>
+          <a:bodyPr wrap="none" rtlCol="0">
+            <a:spAutoFit/>
+          </a:bodyPr>
+          <a:lstStyle/>
+          <a:p>
+            <a:r>
+              <a:rPr lang="es-ES" sz="1400" i="1" dirty="0" smtClean="0"/>
+              <a:t>13mm</a:t>
+            </a:r>
+            <a:endParaRPr lang="es-ES" sz="1400" i="1" dirty="0"/>
+          </a:p>
+        </p:txBody>
+      </p:sp>
+      <p:cxnSp>
+        <p:nvCxnSpPr>
+          <p:cNvPr id="47" name="46 Conector recto de flecha"/>
+          <p:cNvCxnSpPr/>
+          <p:nvPr/>
+        </p:nvCxnSpPr>
+        <p:spPr>
+          <a:xfrm flipV="1">
+            <a:off x="4932040" y="3717032"/>
+            <a:ext cx="0" cy="360040"/>
+          </a:xfrm>
+          <a:prstGeom prst="straightConnector1">
+            <a:avLst/>
+          </a:prstGeom>
+          <a:ln>
+            <a:solidFill>
+              <a:schemeClr val="accent6">
+                <a:lumMod val="75000"/>
+              </a:schemeClr>
+            </a:solidFill>
+            <a:headEnd type="arrow"/>
+            <a:tailEnd type="arrow"/>
+          </a:ln>
+        </p:spPr>
+        <p:style>
+          <a:lnRef idx="1">
+            <a:schemeClr val="accent1"/>
+          </a:lnRef>
+          <a:fillRef idx="0">
+            <a:schemeClr val="accent1"/>
+          </a:fillRef>
+          <a:effectRef idx="0">
+            <a:schemeClr val="accent1"/>
+          </a:effectRef>
+          <a:fontRef idx="minor">
+            <a:schemeClr val="tx1"/>
+          </a:fontRef>
+        </p:style>
+      </p:cxnSp>
+      <p:sp>
+        <p:nvSpPr>
+          <p:cNvPr id="49" name="48 CuadroTexto"/>
+          <p:cNvSpPr txBox="1"/>
+          <p:nvPr/>
+        </p:nvSpPr>
+        <p:spPr>
+          <a:xfrm>
+            <a:off x="4932040" y="3717032"/>
+            <a:ext cx="561372" cy="307777"/>
+          </a:xfrm>
+          <a:prstGeom prst="rect">
+            <a:avLst/>
+          </a:prstGeom>
+          <a:noFill/>
+        </p:spPr>
+        <p:txBody>
+          <a:bodyPr wrap="none" rtlCol="0">
+            <a:spAutoFit/>
+          </a:bodyPr>
+          <a:lstStyle/>
+          <a:p>
+            <a:r>
+              <a:rPr lang="es-ES" sz="1400" i="1" dirty="0" smtClean="0"/>
+              <a:t>5mm</a:t>
+            </a:r>
+            <a:endParaRPr lang="es-ES" sz="1400" i="1" dirty="0"/>
           </a:p>
         </p:txBody>
       </p:sp>

--- a/docs/Cubemx/STM32F103C8T6 Mbed.pptx
+++ b/docs/Cubemx/STM32F103C8T6 Mbed.pptx
@@ -293,7 +293,7 @@
             <a:fld id="{7E132479-A98E-4E73-826A-728A9A151AED}" type="datetimeFigureOut">
               <a:rPr lang="es-ES" smtClean="0"/>
               <a:pPr/>
-              <a:t>07/05/2015</a:t>
+              <a:t>08/05/2015</a:t>
             </a:fld>
             <a:endParaRPr lang="es-ES"/>
           </a:p>
@@ -460,7 +460,7 @@
             <a:fld id="{7E132479-A98E-4E73-826A-728A9A151AED}" type="datetimeFigureOut">
               <a:rPr lang="es-ES" smtClean="0"/>
               <a:pPr/>
-              <a:t>07/05/2015</a:t>
+              <a:t>08/05/2015</a:t>
             </a:fld>
             <a:endParaRPr lang="es-ES"/>
           </a:p>
@@ -637,7 +637,7 @@
             <a:fld id="{7E132479-A98E-4E73-826A-728A9A151AED}" type="datetimeFigureOut">
               <a:rPr lang="es-ES" smtClean="0"/>
               <a:pPr/>
-              <a:t>07/05/2015</a:t>
+              <a:t>08/05/2015</a:t>
             </a:fld>
             <a:endParaRPr lang="es-ES"/>
           </a:p>
@@ -804,7 +804,7 @@
             <a:fld id="{7E132479-A98E-4E73-826A-728A9A151AED}" type="datetimeFigureOut">
               <a:rPr lang="es-ES" smtClean="0"/>
               <a:pPr/>
-              <a:t>07/05/2015</a:t>
+              <a:t>08/05/2015</a:t>
             </a:fld>
             <a:endParaRPr lang="es-ES"/>
           </a:p>
@@ -1047,7 +1047,7 @@
             <a:fld id="{7E132479-A98E-4E73-826A-728A9A151AED}" type="datetimeFigureOut">
               <a:rPr lang="es-ES" smtClean="0"/>
               <a:pPr/>
-              <a:t>07/05/2015</a:t>
+              <a:t>08/05/2015</a:t>
             </a:fld>
             <a:endParaRPr lang="es-ES"/>
           </a:p>
@@ -1332,7 +1332,7 @@
             <a:fld id="{7E132479-A98E-4E73-826A-728A9A151AED}" type="datetimeFigureOut">
               <a:rPr lang="es-ES" smtClean="0"/>
               <a:pPr/>
-              <a:t>07/05/2015</a:t>
+              <a:t>08/05/2015</a:t>
             </a:fld>
             <a:endParaRPr lang="es-ES"/>
           </a:p>
@@ -1751,7 +1751,7 @@
             <a:fld id="{7E132479-A98E-4E73-826A-728A9A151AED}" type="datetimeFigureOut">
               <a:rPr lang="es-ES" smtClean="0"/>
               <a:pPr/>
-              <a:t>07/05/2015</a:t>
+              <a:t>08/05/2015</a:t>
             </a:fld>
             <a:endParaRPr lang="es-ES"/>
           </a:p>
@@ -1866,7 +1866,7 @@
             <a:fld id="{7E132479-A98E-4E73-826A-728A9A151AED}" type="datetimeFigureOut">
               <a:rPr lang="es-ES" smtClean="0"/>
               <a:pPr/>
-              <a:t>07/05/2015</a:t>
+              <a:t>08/05/2015</a:t>
             </a:fld>
             <a:endParaRPr lang="es-ES"/>
           </a:p>
@@ -1958,7 +1958,7 @@
             <a:fld id="{7E132479-A98E-4E73-826A-728A9A151AED}" type="datetimeFigureOut">
               <a:rPr lang="es-ES" smtClean="0"/>
               <a:pPr/>
-              <a:t>07/05/2015</a:t>
+              <a:t>08/05/2015</a:t>
             </a:fld>
             <a:endParaRPr lang="es-ES"/>
           </a:p>
@@ -2232,7 +2232,7 @@
             <a:fld id="{7E132479-A98E-4E73-826A-728A9A151AED}" type="datetimeFigureOut">
               <a:rPr lang="es-ES" smtClean="0"/>
               <a:pPr/>
-              <a:t>07/05/2015</a:t>
+              <a:t>08/05/2015</a:t>
             </a:fld>
             <a:endParaRPr lang="es-ES"/>
           </a:p>
@@ -2482,7 +2482,7 @@
             <a:fld id="{7E132479-A98E-4E73-826A-728A9A151AED}" type="datetimeFigureOut">
               <a:rPr lang="es-ES" smtClean="0"/>
               <a:pPr/>
-              <a:t>07/05/2015</a:t>
+              <a:t>08/05/2015</a:t>
             </a:fld>
             <a:endParaRPr lang="es-ES"/>
           </a:p>
@@ -2692,7 +2692,7 @@
             <a:fld id="{7E132479-A98E-4E73-826A-728A9A151AED}" type="datetimeFigureOut">
               <a:rPr lang="es-ES" smtClean="0"/>
               <a:pPr/>
-              <a:t>07/05/2015</a:t>
+              <a:t>08/05/2015</a:t>
             </a:fld>
             <a:endParaRPr lang="es-ES"/>
           </a:p>
@@ -14615,11 +14615,7 @@
           <a:p>
             <a:r>
               <a:rPr lang="es-ES" dirty="0" smtClean="0"/>
-              <a:t>Posicionamiento </a:t>
-            </a:r>
-            <a:r>
-              <a:rPr lang="es-ES" dirty="0" smtClean="0"/>
-              <a:t>Periféricos</a:t>
+              <a:t>Posicionamiento Periféricos</a:t>
             </a:r>
             <a:endParaRPr lang="es-ES" dirty="0"/>
           </a:p>
@@ -15206,7 +15202,6 @@
               <a:rPr lang="es-ES" sz="1200" b="1" dirty="0" smtClean="0"/>
               <a:t>BUZ</a:t>
             </a:r>
-            <a:endParaRPr lang="es-ES" sz="1200" b="1" dirty="0" smtClean="0"/>
           </a:p>
           <a:p>
             <a:endParaRPr lang="es-ES" sz="600" b="1" dirty="0" smtClean="0"/>
